--- a/01_instance_creation.pptx
+++ b/01_instance_creation.pptx
@@ -10,6 +10,10 @@
     <p:sldId id="258" r:id="rId5"/>
     <p:sldId id="259" r:id="rId6"/>
     <p:sldId id="260" r:id="rId7"/>
+    <p:sldId id="261" r:id="rId8"/>
+    <p:sldId id="262" r:id="rId9"/>
+    <p:sldId id="263" r:id="rId10"/>
+    <p:sldId id="264" r:id="rId11"/>
   </p:sldIdLst>
   <p:sldSz cx="9144000" cy="6858000"/>
   <p:notesSz cx="7772400" cy="10058400"/>
@@ -67,7 +71,7 @@
         <p:txBody>
           <a:bodyPr/>
           <a:p>
-            <a:fld id="{45398BA3-C91E-4132-8B3F-E32AB3FF19A9}" type="slidenum">
+            <a:fld id="{30E6C7BB-BB86-433B-A8EA-7CE4FF11E404}" type="slidenum">
               <a:t>&lt;#&gt;</a:t>
             </a:fld>
           </a:p>
@@ -255,7 +259,7 @@
         <p:txBody>
           <a:bodyPr/>
           <a:p>
-            <a:fld id="{2412680A-129A-45E5-9657-7535231B8F60}" type="slidenum">
+            <a:fld id="{6AFF377F-9362-4CEC-8786-A1F3CC4BC857}" type="slidenum">
               <a:t>&lt;#&gt;</a:t>
             </a:fld>
           </a:p>
@@ -511,7 +515,7 @@
         <p:txBody>
           <a:bodyPr/>
           <a:p>
-            <a:fld id="{C391816A-4C19-42F7-AFF2-9E949A04445E}" type="slidenum">
+            <a:fld id="{AB079C2A-9416-441F-A0C9-ACCAAF3C59C3}" type="slidenum">
               <a:t>&lt;#&gt;</a:t>
             </a:fld>
           </a:p>
@@ -835,7 +839,7 @@
         <p:txBody>
           <a:bodyPr/>
           <a:p>
-            <a:fld id="{B96A72FD-19E8-43A5-A6B4-2EC985A4C15B}" type="slidenum">
+            <a:fld id="{06F47346-614E-473F-9E33-7F42B199E796}" type="slidenum">
               <a:t>&lt;#&gt;</a:t>
             </a:fld>
           </a:p>
@@ -992,7 +996,7 @@
         <p:txBody>
           <a:bodyPr/>
           <a:p>
-            <a:fld id="{74A61577-99D5-4143-BDB7-C39F73E3A186}" type="slidenum">
+            <a:fld id="{0D07FCAB-4938-4AC9-9ABF-99659ED1E7DB}" type="slidenum">
               <a:t>&lt;#&gt;</a:t>
             </a:fld>
           </a:p>
@@ -1146,7 +1150,7 @@
         <p:txBody>
           <a:bodyPr/>
           <a:p>
-            <a:fld id="{FCAD7D5B-B440-4F42-A6E0-54DDCC139B97}" type="slidenum">
+            <a:fld id="{04956046-D0A9-4F09-B794-99CD7E86DCA9}" type="slidenum">
               <a:t>&lt;#&gt;</a:t>
             </a:fld>
           </a:p>
@@ -1334,7 +1338,7 @@
         <p:txBody>
           <a:bodyPr/>
           <a:p>
-            <a:fld id="{843C7B3B-0F96-420A-8D0C-48253978C25A}" type="slidenum">
+            <a:fld id="{6A3FF3B6-224A-4C2C-A8F8-70104B5DB68A}" type="slidenum">
               <a:t>&lt;#&gt;</a:t>
             </a:fld>
           </a:p>
@@ -1454,7 +1458,7 @@
         <p:txBody>
           <a:bodyPr/>
           <a:p>
-            <a:fld id="{9710D192-A68D-4C07-B76B-EA83E94DDCAC}" type="slidenum">
+            <a:fld id="{BEC173B8-2DA2-44AD-92DE-7195B4BE69B8}" type="slidenum">
               <a:t>&lt;#&gt;</a:t>
             </a:fld>
           </a:p>
@@ -1574,7 +1578,7 @@
         <p:txBody>
           <a:bodyPr/>
           <a:p>
-            <a:fld id="{3E96C6A5-DE8B-42D4-AE83-7BA4C914FE45}" type="slidenum">
+            <a:fld id="{F8504021-ACC7-4EE5-A797-0E627A0DE7F4}" type="slidenum">
               <a:t>&lt;#&gt;</a:t>
             </a:fld>
           </a:p>
@@ -1796,7 +1800,7 @@
         <p:txBody>
           <a:bodyPr/>
           <a:p>
-            <a:fld id="{B092EB56-844F-4BC4-93DC-209694AAFFEF}" type="slidenum">
+            <a:fld id="{755AA554-6EE1-4548-A035-3D6EBDC7E943}" type="slidenum">
               <a:t>&lt;#&gt;</a:t>
             </a:fld>
           </a:p>
@@ -2018,7 +2022,7 @@
         <p:txBody>
           <a:bodyPr/>
           <a:p>
-            <a:fld id="{78D94E93-8162-427A-9463-CB7F77A8E3E2}" type="slidenum">
+            <a:fld id="{A519A7DF-8779-40A5-90EF-5ACDE71675EB}" type="slidenum">
               <a:t>&lt;#&gt;</a:t>
             </a:fld>
           </a:p>
@@ -2240,7 +2244,7 @@
         <p:txBody>
           <a:bodyPr/>
           <a:p>
-            <a:fld id="{241BF44C-3BB0-42C7-89C2-496882127B5F}" type="slidenum">
+            <a:fld id="{46EB87E7-E558-43BB-825F-21EBBF276FAF}" type="slidenum">
               <a:t>&lt;#&gt;</a:t>
             </a:fld>
           </a:p>
@@ -2309,7 +2313,7 @@
         <p:spPr>
           <a:xfrm>
             <a:off x="3124080" y="6356520"/>
-            <a:ext cx="2892240" cy="361800"/>
+            <a:ext cx="2891880" cy="361440"/>
           </a:xfrm>
           <a:prstGeom prst="rect">
             <a:avLst/>
@@ -2366,7 +2370,7 @@
         <p:spPr>
           <a:xfrm>
             <a:off x="6553080" y="6356520"/>
-            <a:ext cx="2130480" cy="361800"/>
+            <a:ext cx="2130120" cy="361440"/>
           </a:xfrm>
           <a:prstGeom prst="rect">
             <a:avLst/>
@@ -2401,7 +2405,7 @@
               </a:lnSpc>
               <a:buNone/>
             </a:pPr>
-            <a:fld id="{CBA94D59-D537-4B8E-8F2E-18BB5EA6FB95}" type="slidenum">
+            <a:fld id="{E0EDC6A7-FA8A-4DA2-B136-1E49076A24E7}" type="slidenum">
               <a:rPr b="0" lang="en-US" sz="1200" spc="-1" strike="noStrike">
                 <a:solidFill>
                   <a:srgbClr val="8b8b8b"/>
@@ -2429,7 +2433,7 @@
         <p:spPr>
           <a:xfrm>
             <a:off x="457200" y="6356520"/>
-            <a:ext cx="2130480" cy="361800"/>
+            <a:ext cx="2130120" cy="361440"/>
           </a:xfrm>
           <a:prstGeom prst="rect">
             <a:avLst/>
@@ -2498,7 +2502,13 @@
               <a:rPr b="0" lang="en-US" sz="4400" spc="-1" strike="noStrike">
                 <a:latin typeface="Arial"/>
               </a:rPr>
-              <a:t>Click to edit the title text format</a:t>
+              <a:t>Click to edit the </a:t>
+            </a:r>
+            <a:r>
+              <a:rPr b="0" lang="en-US" sz="4400" spc="-1" strike="noStrike">
+                <a:latin typeface="Arial"/>
+              </a:rPr>
+              <a:t>title text format</a:t>
             </a:r>
             <a:endParaRPr b="0" lang="en-US" sz="4400" spc="-1" strike="noStrike">
               <a:latin typeface="Arial"/>
@@ -2739,7 +2749,7 @@
         <p:spPr>
           <a:xfrm>
             <a:off x="0" y="2130480"/>
-            <a:ext cx="9140760" cy="1466640"/>
+            <a:ext cx="9140400" cy="1466280"/>
           </a:xfrm>
           <a:prstGeom prst="rect">
             <a:avLst/>
@@ -2769,7 +2779,7 @@
                 </a:solidFill>
                 <a:latin typeface="Calibri"/>
               </a:rPr>
-              <a:t>005 Draw Triangle</a:t>
+              <a:t>01 Instance Creation</a:t>
             </a:r>
             <a:endParaRPr b="0" lang="en-US" sz="4000" spc="-1" strike="noStrike">
               <a:latin typeface="Arial"/>
@@ -2790,7 +2800,7 @@
         <p:spPr>
           <a:xfrm>
             <a:off x="1259640" y="4581000"/>
-            <a:ext cx="6397560" cy="691560"/>
+            <a:ext cx="6397200" cy="691200"/>
           </a:xfrm>
           <a:prstGeom prst="rect">
             <a:avLst/>
@@ -2824,7 +2834,115 @@
                 </a:solidFill>
                 <a:latin typeface="Calibri"/>
               </a:rPr>
-              <a:t>Peter H. Chen</a:t>
+              <a:t>P</a:t>
+            </a:r>
+            <a:r>
+              <a:rPr b="0" lang="en-US" sz="3200" spc="-1" strike="noStrike">
+                <a:solidFill>
+                  <a:srgbClr val="8b8b8b"/>
+                </a:solidFill>
+                <a:latin typeface="Calibri"/>
+              </a:rPr>
+              <a:t>e</a:t>
+            </a:r>
+            <a:r>
+              <a:rPr b="0" lang="en-US" sz="3200" spc="-1" strike="noStrike">
+                <a:solidFill>
+                  <a:srgbClr val="8b8b8b"/>
+                </a:solidFill>
+                <a:latin typeface="Calibri"/>
+              </a:rPr>
+              <a:t>t</a:t>
+            </a:r>
+            <a:r>
+              <a:rPr b="0" lang="en-US" sz="3200" spc="-1" strike="noStrike">
+                <a:solidFill>
+                  <a:srgbClr val="8b8b8b"/>
+                </a:solidFill>
+                <a:latin typeface="Calibri"/>
+              </a:rPr>
+              <a:t>e</a:t>
+            </a:r>
+            <a:r>
+              <a:rPr b="0" lang="en-US" sz="3200" spc="-1" strike="noStrike">
+                <a:solidFill>
+                  <a:srgbClr val="8b8b8b"/>
+                </a:solidFill>
+                <a:latin typeface="Calibri"/>
+              </a:rPr>
+              <a:t>r</a:t>
+            </a:r>
+            <a:r>
+              <a:rPr b="0" lang="en-US" sz="3200" spc="-1" strike="noStrike">
+                <a:solidFill>
+                  <a:srgbClr val="8b8b8b"/>
+                </a:solidFill>
+                <a:latin typeface="Calibri"/>
+              </a:rPr>
+              <a:t> </a:t>
+            </a:r>
+            <a:r>
+              <a:rPr b="0" lang="en-US" sz="3200" spc="-1" strike="noStrike">
+                <a:solidFill>
+                  <a:srgbClr val="8b8b8b"/>
+                </a:solidFill>
+                <a:latin typeface="Calibri"/>
+              </a:rPr>
+              <a:t>H</a:t>
+            </a:r>
+            <a:r>
+              <a:rPr b="0" lang="en-US" sz="3200" spc="-1" strike="noStrike">
+                <a:solidFill>
+                  <a:srgbClr val="8b8b8b"/>
+                </a:solidFill>
+                <a:latin typeface="Calibri"/>
+              </a:rPr>
+              <a:t>.</a:t>
+            </a:r>
+            <a:r>
+              <a:rPr b="0" lang="en-US" sz="3200" spc="-1" strike="noStrike">
+                <a:solidFill>
+                  <a:srgbClr val="8b8b8b"/>
+                </a:solidFill>
+                <a:latin typeface="Calibri"/>
+              </a:rPr>
+              <a:t> </a:t>
+            </a:r>
+            <a:r>
+              <a:rPr b="0" lang="en-US" sz="3200" spc="-1" strike="noStrike">
+                <a:solidFill>
+                  <a:srgbClr val="8b8b8b"/>
+                </a:solidFill>
+                <a:latin typeface="Calibri"/>
+              </a:rPr>
+              <a:t>C</a:t>
+            </a:r>
+            <a:r>
+              <a:rPr b="0" lang="en-US" sz="3200" spc="-1" strike="noStrike">
+                <a:solidFill>
+                  <a:srgbClr val="8b8b8b"/>
+                </a:solidFill>
+                <a:latin typeface="Calibri"/>
+              </a:rPr>
+              <a:t>h</a:t>
+            </a:r>
+            <a:r>
+              <a:rPr b="0" lang="en-US" sz="3200" spc="-1" strike="noStrike">
+                <a:solidFill>
+                  <a:srgbClr val="8b8b8b"/>
+                </a:solidFill>
+                <a:latin typeface="Calibri"/>
+              </a:rPr>
+              <a:t>e</a:t>
+            </a:r>
+            <a:r>
+              <a:rPr b="0" lang="en-US" sz="3200" spc="-1" strike="noStrike">
+                <a:solidFill>
+                  <a:srgbClr val="8b8b8b"/>
+                </a:solidFill>
+                <a:latin typeface="Calibri"/>
+              </a:rPr>
+              <a:t>n</a:t>
             </a:r>
             <a:endParaRPr b="0" lang="en-US" sz="3200" spc="-1" strike="noStrike">
               <a:latin typeface="Arial"/>
@@ -2845,7 +2963,7 @@
         <p:spPr>
           <a:xfrm>
             <a:off x="3564000" y="3707280"/>
-            <a:ext cx="1610640" cy="849600"/>
+            <a:ext cx="1610280" cy="849240"/>
           </a:xfrm>
           <a:prstGeom prst="rect">
             <a:avLst/>
@@ -2869,7 +2987,7 @@
         <p:txBody>
           <a:bodyPr/>
           <a:p>
-            <a:fld id="{82044376-9750-41C2-A80B-15DF1EE18218}" type="slidenum">
+            <a:fld id="{22EC3A46-88E2-43C7-B8C8-E484E52CDF19}" type="slidenum">
               <a:t>1</a:t>
             </a:fld>
           </a:p>
@@ -2889,9 +3007,9 @@
         <p:txBody>
           <a:bodyPr/>
           <a:p>
-            <a:fld id="{2C7C9621-DC68-41C7-A0B4-C8472539F2E7}" type="datetime1">
+            <a:fld id="{7553EF25-1901-40FE-B6A2-04359A3C91EA}" type="datetime1">
               <a:rPr lang="en-US"/>
-              <a:t>12/07/2022</a:t>
+              <a:t>12/08/2022</a:t>
             </a:fld>
           </a:p>
         </p:txBody>
@@ -2938,15 +3056,23 @@
         </p:nvSpPr>
         <p:spPr>
           <a:xfrm>
-            <a:off x="0" y="2130480"/>
-            <a:ext cx="9140760" cy="1466640"/>
-          </a:xfrm>
-          <a:prstGeom prst="rect">
-            <a:avLst/>
-          </a:prstGeom>
-          <a:solidFill>
-            <a:srgbClr val="00b0f0"/>
-          </a:solidFill>
+            <a:off x="0" y="0"/>
+            <a:ext cx="9140400" cy="761040"/>
+          </a:xfrm>
+          <a:prstGeom prst="rect">
+            <a:avLst/>
+          </a:prstGeom>
+          <a:gradFill rotWithShape="0">
+            <a:gsLst>
+              <a:gs pos="0">
+                <a:srgbClr val="bf0000"/>
+              </a:gs>
+              <a:gs pos="100000">
+                <a:srgbClr val="710000"/>
+              </a:gs>
+            </a:gsLst>
+            <a:lin ang="8100000"/>
+          </a:gradFill>
           <a:ln w="0">
             <a:noFill/>
           </a:ln>
@@ -2956,7 +3082,7 @@
             <a:normAutofit/>
           </a:bodyPr>
           <a:p>
-            <a:pPr algn="ctr">
+            <a:pPr>
               <a:lnSpc>
                 <a:spcPct val="100000"/>
               </a:lnSpc>
@@ -2969,9 +3095,161 @@
                 </a:solidFill>
                 <a:latin typeface="Calibri"/>
               </a:rPr>
-              <a:t>001 Instance Creation</a:t>
+              <a:t>01 Instance Creation</a:t>
             </a:r>
             <a:endParaRPr b="0" lang="en-US" sz="4000" spc="-1" strike="noStrike">
+              <a:latin typeface="Arial"/>
+            </a:endParaRPr>
+          </a:p>
+        </p:txBody>
+      </p:sp>
+      <p:sp>
+        <p:nvSpPr>
+          <p:cNvPr id="45" name="PlaceHolder 2"/>
+          <p:cNvSpPr>
+            <a:spLocks noGrp="1"/>
+          </p:cNvSpPr>
+          <p:nvPr>
+            <p:ph type="subTitle"/>
+          </p:nvPr>
+        </p:nvSpPr>
+        <p:spPr>
+          <a:xfrm>
+            <a:off x="467640" y="1371600"/>
+            <a:ext cx="7990560" cy="914400"/>
+          </a:xfrm>
+          <a:prstGeom prst="rect">
+            <a:avLst/>
+          </a:prstGeom>
+          <a:solidFill>
+            <a:srgbClr val="ffffff"/>
+          </a:solidFill>
+          <a:ln w="25560">
+            <a:solidFill>
+              <a:srgbClr val="c00000"/>
+            </a:solidFill>
+            <a:round/>
+          </a:ln>
+        </p:spPr>
+        <p:txBody>
+          <a:bodyPr lIns="0" rIns="0" tIns="0" bIns="0" anchor="t">
+            <a:noAutofit/>
+          </a:bodyPr>
+          <a:p>
+            <a:pPr marL="343080" indent="-343080">
+              <a:lnSpc>
+                <a:spcPct val="100000"/>
+              </a:lnSpc>
+              <a:spcBef>
+                <a:spcPts val="360"/>
+              </a:spcBef>
+              <a:buClr>
+                <a:srgbClr val="0070c0"/>
+              </a:buClr>
+              <a:buSzPct val="80000"/>
+              <a:buFont typeface="Wingdings" charset="2"/>
+              <a:buChar char=""/>
+            </a:pPr>
+            <a:r>
+              <a:rPr b="1" lang="en-US" sz="1800" spc="-1" strike="noStrike">
+                <a:solidFill>
+                  <a:srgbClr val="2d2d2d"/>
+                </a:solidFill>
+                <a:latin typeface="Calibri"/>
+              </a:rPr>
+              <a:t>Instance Creation</a:t>
+            </a:r>
+            <a:endParaRPr b="0" lang="en-US" sz="1800" spc="-1" strike="noStrike">
+              <a:latin typeface="Arial"/>
+            </a:endParaRPr>
+          </a:p>
+          <a:p>
+            <a:pPr marL="343080" indent="-343080">
+              <a:lnSpc>
+                <a:spcPct val="100000"/>
+              </a:lnSpc>
+              <a:spcBef>
+                <a:spcPts val="360"/>
+              </a:spcBef>
+              <a:buClr>
+                <a:srgbClr val="0070c0"/>
+              </a:buClr>
+              <a:buSzPct val="80000"/>
+              <a:buFont typeface="Wingdings" charset="2"/>
+              <a:buChar char=""/>
+            </a:pPr>
+            <a:r>
+              <a:rPr b="0" lang="en-US" sz="1800" spc="-1" strike="noStrike">
+                <a:solidFill>
+                  <a:srgbClr val="2d2d2d"/>
+                </a:solidFill>
+                <a:latin typeface="Calibri"/>
+              </a:rPr>
+              <a:t>Line 23 and Lines 34-36: In initVulkan(), we add createInstance() for VkInstance instance.</a:t>
+            </a:r>
+            <a:endParaRPr b="0" lang="en-US" sz="1800" spc="-1" strike="noStrike">
+              <a:latin typeface="Arial"/>
+            </a:endParaRPr>
+          </a:p>
+        </p:txBody>
+      </p:sp>
+      <p:sp>
+        <p:nvSpPr>
+          <p:cNvPr id="46" name="標題 11"/>
+          <p:cNvSpPr/>
+          <p:nvPr/>
+        </p:nvSpPr>
+        <p:spPr>
+          <a:xfrm>
+            <a:off x="0" y="764640"/>
+            <a:ext cx="9140400" cy="356400"/>
+          </a:xfrm>
+          <a:prstGeom prst="rect">
+            <a:avLst/>
+          </a:prstGeom>
+          <a:gradFill rotWithShape="0">
+            <a:gsLst>
+              <a:gs pos="0">
+                <a:srgbClr val="00afef"/>
+              </a:gs>
+              <a:gs pos="100000">
+                <a:srgbClr val="00688e"/>
+              </a:gs>
+            </a:gsLst>
+            <a:lin ang="8100000"/>
+          </a:gradFill>
+          <a:ln w="0">
+            <a:noFill/>
+          </a:ln>
+        </p:spPr>
+        <p:style>
+          <a:lnRef idx="0"/>
+          <a:fillRef idx="0"/>
+          <a:effectRef idx="0"/>
+          <a:fontRef idx="minor"/>
+        </p:style>
+        <p:txBody>
+          <a:bodyPr lIns="90000" rIns="90000" tIns="45000" bIns="45000" anchor="ctr">
+            <a:normAutofit fontScale="97000"/>
+          </a:bodyPr>
+          <a:p>
+            <a:pPr>
+              <a:lnSpc>
+                <a:spcPct val="100000"/>
+              </a:lnSpc>
+              <a:buNone/>
+            </a:pPr>
+            <a:r>
+              <a:rPr b="0" lang="en-US" sz="1800" spc="-1" strike="noStrike">
+                <a:solidFill>
+                  <a:srgbClr val="000000"/>
+                </a:solidFill>
+                <a:latin typeface="Calibri"/>
+                <a:ea typeface="DejaVu Sans"/>
+              </a:rPr>
+              <a:t>https://vulkan-tutorial.com/Development_environment#page_Linux</a:t>
+            </a:r>
+            <a:endParaRPr b="0" lang="en-US" sz="1800" spc="-1" strike="noStrike">
               <a:latin typeface="Arial"/>
             </a:endParaRPr>
           </a:p>
@@ -2979,7 +3257,7 @@
       </p:sp>
       <p:pic>
         <p:nvPicPr>
-          <p:cNvPr id="45" name="Picture 3" descr="Image result for google vulkan logo"/>
+          <p:cNvPr id="47" name="" descr=""/>
           <p:cNvPicPr/>
           <p:nvPr/>
         </p:nvPicPr>
@@ -2989,8 +3267,8 @@
         </p:blipFill>
         <p:spPr>
           <a:xfrm>
-            <a:off x="3765240" y="3699000"/>
-            <a:ext cx="1610640" cy="849600"/>
+            <a:off x="429120" y="2286000"/>
+            <a:ext cx="8257680" cy="4219200"/>
           </a:xfrm>
           <a:prstGeom prst="rect">
             <a:avLst/>
@@ -3002,7 +3280,7 @@
       </p:pic>
       <p:sp>
         <p:nvSpPr>
-          <p:cNvPr id="3" name="PlaceHolder 2"/>
+          <p:cNvPr id="4" name="PlaceHolder 3"/>
           <p:cNvSpPr>
             <a:spLocks noGrp="1"/>
           </p:cNvSpPr>
@@ -3014,7 +3292,7 @@
         <p:txBody>
           <a:bodyPr/>
           <a:p>
-            <a:fld id="{0F2787B8-03B6-4A3E-AA9C-09AE05CE5A7C}" type="slidenum">
+            <a:fld id="{F4BCBC26-F2E6-4F49-B3B0-739B821DE004}" type="slidenum">
               <a:t>2</a:t>
             </a:fld>
           </a:p>
@@ -3022,7 +3300,7 @@
       </p:sp>
       <p:sp>
         <p:nvSpPr>
-          <p:cNvPr id="4" name="PlaceHolder 3"/>
+          <p:cNvPr id="5" name="PlaceHolder 4"/>
           <p:cNvSpPr>
             <a:spLocks noGrp="1"/>
           </p:cNvSpPr>
@@ -3034,9 +3312,9 @@
         <p:txBody>
           <a:bodyPr/>
           <a:p>
-            <a:fld id="{11E79768-95AD-4045-BE70-4552F0279B4D}" type="datetime1">
+            <a:fld id="{7E211E6A-4BBB-43F4-8DEE-0D02F249EF5C}" type="datetime1">
               <a:rPr lang="en-US"/>
-              <a:t>12/07/2022</a:t>
+              <a:t>12/08/2022</a:t>
             </a:fld>
           </a:p>
         </p:txBody>
@@ -3073,7 +3351,7 @@
       </p:grpSpPr>
       <p:sp>
         <p:nvSpPr>
-          <p:cNvPr id="46" name="PlaceHolder 1"/>
+          <p:cNvPr id="48" name="PlaceHolder 1"/>
           <p:cNvSpPr>
             <a:spLocks noGrp="1"/>
           </p:cNvSpPr>
@@ -3084,7 +3362,7 @@
         <p:spPr>
           <a:xfrm>
             <a:off x="0" y="0"/>
-            <a:ext cx="9140760" cy="761400"/>
+            <a:ext cx="9140400" cy="761040"/>
           </a:xfrm>
           <a:prstGeom prst="rect">
             <a:avLst/>
@@ -3122,7 +3400,7 @@
                 </a:solidFill>
                 <a:latin typeface="Calibri"/>
               </a:rPr>
-              <a:t>005.2 Instance Creation</a:t>
+              <a:t>01 Instance Creation</a:t>
             </a:r>
             <a:endParaRPr b="0" lang="en-US" sz="4000" spc="-1" strike="noStrike">
               <a:latin typeface="Arial"/>
@@ -3132,7 +3410,7 @@
       </p:sp>
       <p:sp>
         <p:nvSpPr>
-          <p:cNvPr id="47" name="PlaceHolder 2"/>
+          <p:cNvPr id="49" name="PlaceHolder 2"/>
           <p:cNvSpPr>
             <a:spLocks noGrp="1"/>
           </p:cNvSpPr>
@@ -3142,8 +3420,8 @@
         </p:nvSpPr>
         <p:spPr>
           <a:xfrm>
-            <a:off x="467640" y="1371600"/>
-            <a:ext cx="3417840" cy="685080"/>
+            <a:off x="250920" y="1371600"/>
+            <a:ext cx="8458200" cy="914400"/>
           </a:xfrm>
           <a:prstGeom prst="rect">
             <a:avLst/>
@@ -3212,7 +3490,7 @@
                 </a:solidFill>
                 <a:latin typeface="Calibri"/>
               </a:rPr>
-              <a:t>Create Instance.</a:t>
+              <a:t>Lines 53-59: We create an instance, we fill in a struct with some information about our application. </a:t>
             </a:r>
             <a:endParaRPr b="0" lang="en-US" sz="1800" spc="-1" strike="noStrike">
               <a:latin typeface="Arial"/>
@@ -3222,14 +3500,14 @@
       </p:sp>
       <p:sp>
         <p:nvSpPr>
-          <p:cNvPr id="48" name="標題 11"/>
+          <p:cNvPr id="50" name="標題 1"/>
           <p:cNvSpPr/>
           <p:nvPr/>
         </p:nvSpPr>
         <p:spPr>
           <a:xfrm>
             <a:off x="0" y="764640"/>
-            <a:ext cx="9140760" cy="356760"/>
+            <a:ext cx="9140400" cy="356400"/>
           </a:xfrm>
           <a:prstGeom prst="rect">
             <a:avLst/>
@@ -3284,7 +3562,7 @@
       </p:sp>
       <p:pic>
         <p:nvPicPr>
-          <p:cNvPr id="49" name="" descr=""/>
+          <p:cNvPr id="51" name="" descr=""/>
           <p:cNvPicPr/>
           <p:nvPr/>
         </p:nvPicPr>
@@ -3294,8 +3572,8 @@
         </p:blipFill>
         <p:spPr>
           <a:xfrm>
-            <a:off x="314640" y="2124360"/>
-            <a:ext cx="3799440" cy="2675520"/>
+            <a:off x="3200400" y="2057400"/>
+            <a:ext cx="6184080" cy="4572000"/>
           </a:xfrm>
           <a:prstGeom prst="rect">
             <a:avLst/>
@@ -3305,29 +3583,166 @@
           </a:ln>
         </p:spPr>
       </p:pic>
-      <p:pic>
-        <p:nvPicPr>
-          <p:cNvPr id="50" name="" descr=""/>
-          <p:cNvPicPr/>
+      <p:sp>
+        <p:nvSpPr>
+          <p:cNvPr id="52" name="PlaceHolder 5"/>
+          <p:cNvSpPr txBox="1"/>
           <p:nvPr/>
-        </p:nvPicPr>
-        <p:blipFill>
-          <a:blip r:embed="rId2"/>
-          <a:stretch/>
-        </p:blipFill>
-        <p:spPr>
-          <a:xfrm>
-            <a:off x="3886200" y="1371600"/>
-            <a:ext cx="4804920" cy="4799880"/>
-          </a:xfrm>
-          <a:prstGeom prst="rect">
-            <a:avLst/>
-          </a:prstGeom>
-          <a:ln w="0">
-            <a:noFill/>
-          </a:ln>
-        </p:spPr>
-      </p:pic>
+        </p:nvSpPr>
+        <p:spPr>
+          <a:xfrm>
+            <a:off x="250920" y="2286000"/>
+            <a:ext cx="2949480" cy="3429000"/>
+          </a:xfrm>
+          <a:prstGeom prst="rect">
+            <a:avLst/>
+          </a:prstGeom>
+          <a:solidFill>
+            <a:srgbClr val="ffffff"/>
+          </a:solidFill>
+          <a:ln w="25560">
+            <a:solidFill>
+              <a:srgbClr val="c00000"/>
+            </a:solidFill>
+            <a:round/>
+          </a:ln>
+        </p:spPr>
+        <p:txBody>
+          <a:bodyPr lIns="0" rIns="0" tIns="0" bIns="0" anchor="t">
+            <a:noAutofit/>
+          </a:bodyPr>
+          <a:p>
+            <a:pPr marL="343080" indent="-343080">
+              <a:lnSpc>
+                <a:spcPct val="100000"/>
+              </a:lnSpc>
+              <a:spcBef>
+                <a:spcPts val="360"/>
+              </a:spcBef>
+              <a:buClr>
+                <a:srgbClr val="0070c0"/>
+              </a:buClr>
+              <a:buSzPct val="80000"/>
+              <a:buFont typeface="Wingdings" charset="2"/>
+              <a:buChar char=""/>
+            </a:pPr>
+            <a:r>
+              <a:rPr b="0" lang="en-US" sz="1800" spc="-1" strike="noStrike">
+                <a:solidFill>
+                  <a:srgbClr val="2d2d2d"/>
+                </a:solidFill>
+                <a:latin typeface="Calibri"/>
+              </a:rPr>
+              <a:t>This data may provide some useful information to the driver in order to </a:t>
+            </a:r>
+            <a:r>
+              <a:rPr b="0" lang="en-US" sz="1800" spc="-1" strike="noStrike">
+                <a:solidFill>
+                  <a:srgbClr val="2d2d2d"/>
+                </a:solidFill>
+                <a:latin typeface="Calibri"/>
+              </a:rPr>
+              <a:t>optimize our specific application.</a:t>
+            </a:r>
+            <a:endParaRPr b="0" lang="en-US" sz="1800" spc="-1" strike="noStrike">
+              <a:latin typeface="Arial"/>
+            </a:endParaRPr>
+          </a:p>
+          <a:p>
+            <a:pPr marL="343080" indent="-343080">
+              <a:lnSpc>
+                <a:spcPct val="100000"/>
+              </a:lnSpc>
+              <a:spcBef>
+                <a:spcPts val="360"/>
+              </a:spcBef>
+              <a:buClr>
+                <a:srgbClr val="0070c0"/>
+              </a:buClr>
+              <a:buSzPct val="80000"/>
+              <a:buFont typeface="Wingdings" charset="2"/>
+              <a:buChar char=""/>
+            </a:pPr>
+            <a:r>
+              <a:rPr b="0" lang="en-US" sz="1800" spc="-1" strike="noStrike">
+                <a:solidFill>
+                  <a:srgbClr val="2d2d2d"/>
+                </a:solidFill>
+                <a:latin typeface="Calibri"/>
+              </a:rPr>
+              <a:t>For example, it uses a well-known graphics engine with certain special </a:t>
+            </a:r>
+            <a:r>
+              <a:rPr b="0" lang="en-US" sz="1800" spc="-1" strike="noStrike">
+                <a:solidFill>
+                  <a:srgbClr val="2d2d2d"/>
+                </a:solidFill>
+                <a:latin typeface="Calibri"/>
+              </a:rPr>
+              <a:t>behavior.</a:t>
+            </a:r>
+            <a:endParaRPr b="0" lang="en-US" sz="1800" spc="-1" strike="noStrike">
+              <a:latin typeface="Arial"/>
+            </a:endParaRPr>
+          </a:p>
+          <a:p>
+            <a:pPr marL="343080" indent="-343080">
+              <a:lnSpc>
+                <a:spcPct val="100000"/>
+              </a:lnSpc>
+              <a:spcBef>
+                <a:spcPts val="360"/>
+              </a:spcBef>
+              <a:buClr>
+                <a:srgbClr val="0070c0"/>
+              </a:buClr>
+              <a:buSzPct val="80000"/>
+              <a:buFont typeface="Wingdings" charset="2"/>
+              <a:buChar char=""/>
+            </a:pPr>
+            <a:r>
+              <a:rPr b="0" lang="en-US" sz="1800" spc="-1" strike="noStrike">
+                <a:solidFill>
+                  <a:srgbClr val="2d2d2d"/>
+                </a:solidFill>
+                <a:latin typeface="Calibri"/>
+              </a:rPr>
+              <a:t>This struct is called VkApplicationInfo:</a:t>
+            </a:r>
+            <a:endParaRPr b="0" lang="en-US" sz="1800" spc="-1" strike="noStrike">
+              <a:latin typeface="Arial"/>
+            </a:endParaRPr>
+          </a:p>
+        </p:txBody>
+      </p:sp>
+      <p:sp>
+        <p:nvSpPr>
+          <p:cNvPr id="53" name=""/>
+          <p:cNvSpPr/>
+          <p:nvPr/>
+        </p:nvSpPr>
+        <p:spPr>
+          <a:xfrm>
+            <a:off x="4343400" y="2743200"/>
+            <a:ext cx="3657600" cy="1143000"/>
+          </a:xfrm>
+          <a:prstGeom prst="rect">
+            <a:avLst/>
+          </a:prstGeom>
+          <a:noFill/>
+          <a:ln w="0">
+            <a:solidFill>
+              <a:srgbClr val="3465a4"/>
+            </a:solidFill>
+          </a:ln>
+        </p:spPr>
+        <p:style>
+          <a:lnRef idx="0"/>
+          <a:fillRef idx="0"/>
+          <a:effectRef idx="0"/>
+          <a:fontRef idx="minor"/>
+        </p:style>
+      </p:sp>
       <p:sp>
         <p:nvSpPr>
           <p:cNvPr id="4" name="PlaceHolder 3"/>
@@ -3342,7 +3757,7 @@
         <p:txBody>
           <a:bodyPr/>
           <a:p>
-            <a:fld id="{B4E867A8-31DE-4EC4-88F6-1FF299057BDB}" type="slidenum">
+            <a:fld id="{EFAA9BA3-9DCB-4C4A-B42A-A69ED393F9D8}" type="slidenum">
               <a:t>3</a:t>
             </a:fld>
           </a:p>
@@ -3362,9 +3777,9 @@
         <p:txBody>
           <a:bodyPr/>
           <a:p>
-            <a:fld id="{8A6D074C-8687-456D-BD49-55D9AD658330}" type="datetime1">
+            <a:fld id="{9F986487-E629-4B07-9B6A-47B9B5605892}" type="datetime1">
               <a:rPr lang="en-US"/>
-              <a:t>12/07/2022</a:t>
+              <a:t>12/08/2022</a:t>
             </a:fld>
           </a:p>
         </p:txBody>
@@ -3401,7 +3816,7 @@
       </p:grpSpPr>
       <p:sp>
         <p:nvSpPr>
-          <p:cNvPr id="51" name="PlaceHolder 1"/>
+          <p:cNvPr id="54" name="PlaceHolder 1"/>
           <p:cNvSpPr>
             <a:spLocks noGrp="1"/>
           </p:cNvSpPr>
@@ -3412,7 +3827,7 @@
         <p:spPr>
           <a:xfrm>
             <a:off x="0" y="0"/>
-            <a:ext cx="9140760" cy="761400"/>
+            <a:ext cx="9140400" cy="761040"/>
           </a:xfrm>
           <a:prstGeom prst="rect">
             <a:avLst/>
@@ -3450,7 +3865,178 @@
                 </a:solidFill>
                 <a:latin typeface="Calibri"/>
               </a:rPr>
-              <a:t>005.2 Instance Creation</a:t>
+              <a:t>0</a:t>
+            </a:r>
+            <a:r>
+              <a:rPr b="1" lang="en-US" sz="4000" spc="-1" strike="noStrike">
+                <a:solidFill>
+                  <a:srgbClr val="ffff00"/>
+                </a:solidFill>
+                <a:latin typeface="Calibri"/>
+              </a:rPr>
+              <a:t>1</a:t>
+            </a:r>
+            <a:r>
+              <a:rPr b="1" lang="en-US" sz="4000" spc="-1" strike="noStrike">
+                <a:solidFill>
+                  <a:srgbClr val="ffff00"/>
+                </a:solidFill>
+                <a:latin typeface="Calibri"/>
+              </a:rPr>
+              <a:t> </a:t>
+            </a:r>
+            <a:r>
+              <a:rPr b="1" lang="en-US" sz="4000" spc="-1" strike="noStrike">
+                <a:solidFill>
+                  <a:srgbClr val="ffff00"/>
+                </a:solidFill>
+                <a:latin typeface="Calibri"/>
+              </a:rPr>
+              <a:t>I</a:t>
+            </a:r>
+            <a:r>
+              <a:rPr b="1" lang="en-US" sz="4000" spc="-1" strike="noStrike">
+                <a:solidFill>
+                  <a:srgbClr val="ffff00"/>
+                </a:solidFill>
+                <a:latin typeface="Calibri"/>
+              </a:rPr>
+              <a:t>n</a:t>
+            </a:r>
+            <a:r>
+              <a:rPr b="1" lang="en-US" sz="4000" spc="-1" strike="noStrike">
+                <a:solidFill>
+                  <a:srgbClr val="ffff00"/>
+                </a:solidFill>
+                <a:latin typeface="Calibri"/>
+              </a:rPr>
+              <a:t>s</a:t>
+            </a:r>
+            <a:r>
+              <a:rPr b="1" lang="en-US" sz="4000" spc="-1" strike="noStrike">
+                <a:solidFill>
+                  <a:srgbClr val="ffff00"/>
+                </a:solidFill>
+                <a:latin typeface="Calibri"/>
+              </a:rPr>
+              <a:t>t</a:t>
+            </a:r>
+            <a:r>
+              <a:rPr b="1" lang="en-US" sz="4000" spc="-1" strike="noStrike">
+                <a:solidFill>
+                  <a:srgbClr val="ffff00"/>
+                </a:solidFill>
+                <a:latin typeface="Calibri"/>
+              </a:rPr>
+              <a:t>a</a:t>
+            </a:r>
+            <a:r>
+              <a:rPr b="1" lang="en-US" sz="4000" spc="-1" strike="noStrike">
+                <a:solidFill>
+                  <a:srgbClr val="ffff00"/>
+                </a:solidFill>
+                <a:latin typeface="Calibri"/>
+              </a:rPr>
+              <a:t>n</a:t>
+            </a:r>
+            <a:r>
+              <a:rPr b="1" lang="en-US" sz="4000" spc="-1" strike="noStrike">
+                <a:solidFill>
+                  <a:srgbClr val="ffff00"/>
+                </a:solidFill>
+                <a:latin typeface="Calibri"/>
+              </a:rPr>
+              <a:t>c</a:t>
+            </a:r>
+            <a:r>
+              <a:rPr b="1" lang="en-US" sz="4000" spc="-1" strike="noStrike">
+                <a:solidFill>
+                  <a:srgbClr val="ffff00"/>
+                </a:solidFill>
+                <a:latin typeface="Calibri"/>
+              </a:rPr>
+              <a:t>e</a:t>
+            </a:r>
+            <a:r>
+              <a:rPr b="1" lang="en-US" sz="4000" spc="-1" strike="noStrike">
+                <a:solidFill>
+                  <a:srgbClr val="ffff00"/>
+                </a:solidFill>
+                <a:latin typeface="Calibri"/>
+              </a:rPr>
+              <a:t> </a:t>
+            </a:r>
+            <a:r>
+              <a:rPr b="1" lang="en-US" sz="4000" spc="-1" strike="noStrike">
+                <a:solidFill>
+                  <a:srgbClr val="ffff00"/>
+                </a:solidFill>
+                <a:latin typeface="Calibri"/>
+              </a:rPr>
+              <a:t>C</a:t>
+            </a:r>
+            <a:r>
+              <a:rPr b="1" lang="en-US" sz="4000" spc="-1" strike="noStrike">
+                <a:solidFill>
+                  <a:srgbClr val="ffff00"/>
+                </a:solidFill>
+                <a:latin typeface="Calibri"/>
+              </a:rPr>
+              <a:t>r</a:t>
+            </a:r>
+            <a:r>
+              <a:rPr b="1" lang="en-US" sz="4000" spc="-1" strike="noStrike">
+                <a:solidFill>
+                  <a:srgbClr val="ffff00"/>
+                </a:solidFill>
+                <a:latin typeface="Calibri"/>
+              </a:rPr>
+              <a:t>e</a:t>
+            </a:r>
+            <a:r>
+              <a:rPr b="1" lang="en-US" sz="4000" spc="-1" strike="noStrike">
+                <a:solidFill>
+                  <a:srgbClr val="ffff00"/>
+                </a:solidFill>
+                <a:latin typeface="Calibri"/>
+              </a:rPr>
+              <a:t>a</a:t>
+            </a:r>
+            <a:r>
+              <a:rPr b="1" lang="en-US" sz="4000" spc="-1" strike="noStrike">
+                <a:solidFill>
+                  <a:srgbClr val="ffff00"/>
+                </a:solidFill>
+                <a:latin typeface="Calibri"/>
+              </a:rPr>
+              <a:t>t</a:t>
+            </a:r>
+            <a:r>
+              <a:rPr b="1" lang="en-US" sz="4000" spc="-1" strike="noStrike">
+                <a:solidFill>
+                  <a:srgbClr val="ffff00"/>
+                </a:solidFill>
+                <a:latin typeface="Calibri"/>
+              </a:rPr>
+              <a:t>i</a:t>
+            </a:r>
+            <a:r>
+              <a:rPr b="1" lang="en-US" sz="4000" spc="-1" strike="noStrike">
+                <a:solidFill>
+                  <a:srgbClr val="ffff00"/>
+                </a:solidFill>
+                <a:latin typeface="Calibri"/>
+              </a:rPr>
+              <a:t>o</a:t>
+            </a:r>
+            <a:r>
+              <a:rPr b="1" lang="en-US" sz="4000" spc="-1" strike="noStrike">
+                <a:solidFill>
+                  <a:srgbClr val="ffff00"/>
+                </a:solidFill>
+                <a:latin typeface="Calibri"/>
+              </a:rPr>
+              <a:t>n</a:t>
             </a:r>
             <a:endParaRPr b="0" lang="en-US" sz="4000" spc="-1" strike="noStrike">
               <a:latin typeface="Arial"/>
@@ -3460,7 +4046,7 @@
       </p:sp>
       <p:sp>
         <p:nvSpPr>
-          <p:cNvPr id="52" name="PlaceHolder 2"/>
+          <p:cNvPr id="55" name="PlaceHolder 2"/>
           <p:cNvSpPr>
             <a:spLocks noGrp="1"/>
           </p:cNvSpPr>
@@ -3470,8 +4056,8 @@
         </p:nvSpPr>
         <p:spPr>
           <a:xfrm>
-            <a:off x="467640" y="1371600"/>
-            <a:ext cx="2732040" cy="685080"/>
+            <a:off x="228600" y="1371600"/>
+            <a:ext cx="8458200" cy="914400"/>
           </a:xfrm>
           <a:prstGeom prst="rect">
             <a:avLst/>
@@ -3540,7 +4126,16 @@
                 </a:solidFill>
                 <a:latin typeface="Calibri"/>
               </a:rPr>
-              <a:t>Create Instance.</a:t>
+              <a:t>Lines 61-63: As mentioned before, many structs in Vulkan require you to </a:t>
+            </a:r>
+            <a:r>
+              <a:rPr b="0" lang="en-US" sz="1800" spc="-1" strike="noStrike">
+                <a:solidFill>
+                  <a:srgbClr val="2d2d2d"/>
+                </a:solidFill>
+                <a:latin typeface="Calibri"/>
+              </a:rPr>
+              <a:t>explicitly specify the type in the sType member. </a:t>
             </a:r>
             <a:endParaRPr b="0" lang="en-US" sz="1800" spc="-1" strike="noStrike">
               <a:latin typeface="Arial"/>
@@ -3550,14 +4145,14 @@
       </p:sp>
       <p:sp>
         <p:nvSpPr>
-          <p:cNvPr id="53" name="標題 1"/>
+          <p:cNvPr id="56" name="標題 2"/>
           <p:cNvSpPr/>
           <p:nvPr/>
         </p:nvSpPr>
         <p:spPr>
           <a:xfrm>
             <a:off x="0" y="764640"/>
-            <a:ext cx="9140760" cy="356760"/>
+            <a:ext cx="9140400" cy="356400"/>
           </a:xfrm>
           <a:prstGeom prst="rect">
             <a:avLst/>
@@ -3612,7 +4207,7 @@
       </p:sp>
       <p:pic>
         <p:nvPicPr>
-          <p:cNvPr id="54" name="" descr=""/>
+          <p:cNvPr id="57" name="" descr=""/>
           <p:cNvPicPr/>
           <p:nvPr/>
         </p:nvPicPr>
@@ -3622,8 +4217,8 @@
         </p:blipFill>
         <p:spPr>
           <a:xfrm>
-            <a:off x="3429000" y="1122120"/>
-            <a:ext cx="5485680" cy="5479920"/>
+            <a:off x="3200400" y="2057400"/>
+            <a:ext cx="6184080" cy="4572000"/>
           </a:xfrm>
           <a:prstGeom prst="rect">
             <a:avLst/>
@@ -3635,6 +4230,110 @@
       </p:pic>
       <p:sp>
         <p:nvSpPr>
+          <p:cNvPr id="58" name="PlaceHolder 8"/>
+          <p:cNvSpPr txBox="1"/>
+          <p:nvPr/>
+        </p:nvSpPr>
+        <p:spPr>
+          <a:xfrm>
+            <a:off x="250920" y="2286000"/>
+            <a:ext cx="2949480" cy="2514600"/>
+          </a:xfrm>
+          <a:prstGeom prst="rect">
+            <a:avLst/>
+          </a:prstGeom>
+          <a:solidFill>
+            <a:srgbClr val="ffffff"/>
+          </a:solidFill>
+          <a:ln w="25560">
+            <a:solidFill>
+              <a:srgbClr val="c00000"/>
+            </a:solidFill>
+            <a:round/>
+          </a:ln>
+        </p:spPr>
+        <p:txBody>
+          <a:bodyPr lIns="0" rIns="0" tIns="0" bIns="0" anchor="t">
+            <a:noAutofit/>
+          </a:bodyPr>
+          <a:p>
+            <a:pPr marL="343080" indent="-343080">
+              <a:lnSpc>
+                <a:spcPct val="100000"/>
+              </a:lnSpc>
+              <a:spcBef>
+                <a:spcPts val="360"/>
+              </a:spcBef>
+              <a:buClr>
+                <a:srgbClr val="0070c0"/>
+              </a:buClr>
+              <a:buSzPct val="80000"/>
+              <a:buFont typeface="Wingdings" charset="2"/>
+              <a:buChar char=""/>
+            </a:pPr>
+            <a:r>
+              <a:rPr b="0" lang="en-US" sz="1800" spc="-1" strike="noStrike">
+                <a:solidFill>
+                  <a:srgbClr val="2d2d2d"/>
+                </a:solidFill>
+                <a:latin typeface="Calibri"/>
+              </a:rPr>
+              <a:t>This is also one of the many structs with a pNext member that </a:t>
+            </a:r>
+            <a:r>
+              <a:rPr b="0" lang="en-US" sz="1800" spc="-1" strike="noStrike">
+                <a:solidFill>
+                  <a:srgbClr val="2d2d2d"/>
+                </a:solidFill>
+                <a:latin typeface="Calibri"/>
+              </a:rPr>
+              <a:t>can point to extension information in the future. We're using value </a:t>
+            </a:r>
+            <a:r>
+              <a:rPr b="0" lang="en-US" sz="1800" spc="-1" strike="noStrike">
+                <a:solidFill>
+                  <a:srgbClr val="2d2d2d"/>
+                </a:solidFill>
+                <a:latin typeface="Calibri"/>
+              </a:rPr>
+              <a:t>initialization here to leave it as nullptr.</a:t>
+            </a:r>
+            <a:endParaRPr b="0" lang="en-US" sz="1800" spc="-1" strike="noStrike">
+              <a:latin typeface="Arial"/>
+            </a:endParaRPr>
+          </a:p>
+        </p:txBody>
+      </p:sp>
+      <p:sp>
+        <p:nvSpPr>
+          <p:cNvPr id="59" name=""/>
+          <p:cNvSpPr/>
+          <p:nvPr/>
+        </p:nvSpPr>
+        <p:spPr>
+          <a:xfrm>
+            <a:off x="4343400" y="3657600"/>
+            <a:ext cx="4114800" cy="685800"/>
+          </a:xfrm>
+          <a:prstGeom prst="rect">
+            <a:avLst/>
+          </a:prstGeom>
+          <a:noFill/>
+          <a:ln w="0">
+            <a:solidFill>
+              <a:srgbClr val="3465a4"/>
+            </a:solidFill>
+          </a:ln>
+        </p:spPr>
+        <p:style>
+          <a:lnRef idx="0"/>
+          <a:fillRef idx="0"/>
+          <a:effectRef idx="0"/>
+          <a:fontRef idx="minor"/>
+        </p:style>
+      </p:sp>
+      <p:sp>
+        <p:nvSpPr>
           <p:cNvPr id="4" name="PlaceHolder 3"/>
           <p:cNvSpPr>
             <a:spLocks noGrp="1"/>
@@ -3647,7 +4346,7 @@
         <p:txBody>
           <a:bodyPr/>
           <a:p>
-            <a:fld id="{5A918326-70F9-4010-A64F-D684620E0C3B}" type="slidenum">
+            <a:fld id="{1B9C2E7A-89B8-4D44-9557-E0B7DC01A2FC}" type="slidenum">
               <a:t>4</a:t>
             </a:fld>
           </a:p>
@@ -3667,9 +4366,9 @@
         <p:txBody>
           <a:bodyPr/>
           <a:p>
-            <a:fld id="{0023F26F-E980-4D92-A05C-A0F7DA0A2412}" type="datetime1">
+            <a:fld id="{12A12B49-B0E3-40D3-9206-04A4EF3F7C1F}" type="datetime1">
               <a:rPr lang="en-US"/>
-              <a:t>12/07/2022</a:t>
+              <a:t>12/08/2022</a:t>
             </a:fld>
           </a:p>
         </p:txBody>
@@ -3706,7 +4405,7 @@
       </p:grpSpPr>
       <p:sp>
         <p:nvSpPr>
-          <p:cNvPr id="55" name="PlaceHolder 1"/>
+          <p:cNvPr id="60" name="PlaceHolder 1"/>
           <p:cNvSpPr>
             <a:spLocks noGrp="1"/>
           </p:cNvSpPr>
@@ -3716,8 +4415,153 @@
         </p:nvSpPr>
         <p:spPr>
           <a:xfrm>
-            <a:off x="0" y="2130480"/>
-            <a:ext cx="9140760" cy="1466640"/>
+            <a:off x="0" y="0"/>
+            <a:ext cx="9140400" cy="761040"/>
+          </a:xfrm>
+          <a:prstGeom prst="rect">
+            <a:avLst/>
+          </a:prstGeom>
+          <a:gradFill rotWithShape="0">
+            <a:gsLst>
+              <a:gs pos="0">
+                <a:srgbClr val="bf0000"/>
+              </a:gs>
+              <a:gs pos="100000">
+                <a:srgbClr val="710000"/>
+              </a:gs>
+            </a:gsLst>
+            <a:lin ang="8100000"/>
+          </a:gradFill>
+          <a:ln w="0">
+            <a:noFill/>
+          </a:ln>
+        </p:spPr>
+        <p:txBody>
+          <a:bodyPr lIns="0" rIns="0" tIns="0" bIns="0" anchor="ctr">
+            <a:normAutofit/>
+          </a:bodyPr>
+          <a:p>
+            <a:pPr>
+              <a:lnSpc>
+                <a:spcPct val="100000"/>
+              </a:lnSpc>
+              <a:buNone/>
+            </a:pPr>
+            <a:r>
+              <a:rPr b="1" lang="en-US" sz="4000" spc="-1" strike="noStrike">
+                <a:solidFill>
+                  <a:srgbClr val="ffff00"/>
+                </a:solidFill>
+                <a:latin typeface="Calibri"/>
+              </a:rPr>
+              <a:t>01 Instance Creation</a:t>
+            </a:r>
+            <a:endParaRPr b="0" lang="en-US" sz="4000" spc="-1" strike="noStrike">
+              <a:latin typeface="Arial"/>
+            </a:endParaRPr>
+          </a:p>
+        </p:txBody>
+      </p:sp>
+      <p:sp>
+        <p:nvSpPr>
+          <p:cNvPr id="61" name="PlaceHolder 2"/>
+          <p:cNvSpPr>
+            <a:spLocks noGrp="1"/>
+          </p:cNvSpPr>
+          <p:nvPr>
+            <p:ph type="subTitle"/>
+          </p:nvPr>
+        </p:nvSpPr>
+        <p:spPr>
+          <a:xfrm>
+            <a:off x="228600" y="1371600"/>
+            <a:ext cx="8458200" cy="685800"/>
+          </a:xfrm>
+          <a:prstGeom prst="rect">
+            <a:avLst/>
+          </a:prstGeom>
+          <a:solidFill>
+            <a:srgbClr val="ffffff"/>
+          </a:solidFill>
+          <a:ln w="25560">
+            <a:solidFill>
+              <a:srgbClr val="c00000"/>
+            </a:solidFill>
+            <a:round/>
+          </a:ln>
+        </p:spPr>
+        <p:txBody>
+          <a:bodyPr lIns="0" rIns="0" tIns="0" bIns="0" anchor="t">
+            <a:noAutofit/>
+          </a:bodyPr>
+          <a:p>
+            <a:pPr marL="343080" indent="-343080">
+              <a:lnSpc>
+                <a:spcPct val="100000"/>
+              </a:lnSpc>
+              <a:spcBef>
+                <a:spcPts val="360"/>
+              </a:spcBef>
+              <a:buClr>
+                <a:srgbClr val="0070c0"/>
+              </a:buClr>
+              <a:buSzPct val="80000"/>
+              <a:buFont typeface="Wingdings" charset="2"/>
+              <a:buChar char=""/>
+            </a:pPr>
+            <a:r>
+              <a:rPr b="1" lang="en-US" sz="1800" spc="-1" strike="noStrike">
+                <a:solidFill>
+                  <a:srgbClr val="2d2d2d"/>
+                </a:solidFill>
+                <a:latin typeface="Calibri"/>
+              </a:rPr>
+              <a:t>Instance Creation</a:t>
+            </a:r>
+            <a:endParaRPr b="0" lang="en-US" sz="1800" spc="-1" strike="noStrike">
+              <a:latin typeface="Arial"/>
+            </a:endParaRPr>
+          </a:p>
+          <a:p>
+            <a:pPr marL="343080" indent="-343080">
+              <a:lnSpc>
+                <a:spcPct val="100000"/>
+              </a:lnSpc>
+              <a:spcBef>
+                <a:spcPts val="360"/>
+              </a:spcBef>
+              <a:buClr>
+                <a:srgbClr val="0070c0"/>
+              </a:buClr>
+              <a:buSzPct val="80000"/>
+              <a:buFont typeface="Wingdings" charset="2"/>
+              <a:buChar char=""/>
+            </a:pPr>
+            <a:r>
+              <a:rPr b="0" lang="en-US" sz="1800" spc="-1" strike="noStrike">
+                <a:solidFill>
+                  <a:srgbClr val="2d2d2d"/>
+                </a:solidFill>
+                <a:latin typeface="Calibri"/>
+              </a:rPr>
+              <a:t>Lines 65-72: There are some parameters which are straightforward. </a:t>
+            </a:r>
+            <a:endParaRPr b="0" lang="en-US" sz="1800" spc="-1" strike="noStrike">
+              <a:latin typeface="Arial"/>
+            </a:endParaRPr>
+          </a:p>
+        </p:txBody>
+      </p:sp>
+      <p:sp>
+        <p:nvSpPr>
+          <p:cNvPr id="62" name="標題 3"/>
+          <p:cNvSpPr/>
+          <p:nvPr/>
+        </p:nvSpPr>
+        <p:spPr>
+          <a:xfrm>
+            <a:off x="0" y="764640"/>
+            <a:ext cx="9140400" cy="356400"/>
           </a:xfrm>
           <a:prstGeom prst="rect">
             <a:avLst/>
@@ -3737,6 +4581,1165 @@
             <a:noFill/>
           </a:ln>
         </p:spPr>
+        <p:style>
+          <a:lnRef idx="0"/>
+          <a:fillRef idx="0"/>
+          <a:effectRef idx="0"/>
+          <a:fontRef idx="minor"/>
+        </p:style>
+        <p:txBody>
+          <a:bodyPr lIns="90000" rIns="90000" tIns="45000" bIns="45000" anchor="ctr">
+            <a:normAutofit fontScale="97000"/>
+          </a:bodyPr>
+          <a:p>
+            <a:pPr>
+              <a:lnSpc>
+                <a:spcPct val="100000"/>
+              </a:lnSpc>
+              <a:buNone/>
+            </a:pPr>
+            <a:r>
+              <a:rPr b="0" lang="en-US" sz="1800" spc="-1" strike="noStrike">
+                <a:solidFill>
+                  <a:srgbClr val="000000"/>
+                </a:solidFill>
+                <a:latin typeface="Calibri"/>
+                <a:ea typeface="DejaVu Sans"/>
+              </a:rPr>
+              <a:t>https://vulkan-tutorial.com/Development_environment#page_Linux</a:t>
+            </a:r>
+            <a:endParaRPr b="0" lang="en-US" sz="1800" spc="-1" strike="noStrike">
+              <a:latin typeface="Arial"/>
+            </a:endParaRPr>
+          </a:p>
+        </p:txBody>
+      </p:sp>
+      <p:pic>
+        <p:nvPicPr>
+          <p:cNvPr id="63" name="" descr=""/>
+          <p:cNvPicPr/>
+          <p:nvPr/>
+        </p:nvPicPr>
+        <p:blipFill>
+          <a:blip r:embed="rId1"/>
+          <a:stretch/>
+        </p:blipFill>
+        <p:spPr>
+          <a:xfrm>
+            <a:off x="3200400" y="2057400"/>
+            <a:ext cx="6184080" cy="4572000"/>
+          </a:xfrm>
+          <a:prstGeom prst="rect">
+            <a:avLst/>
+          </a:prstGeom>
+          <a:ln w="0">
+            <a:noFill/>
+          </a:ln>
+        </p:spPr>
+      </p:pic>
+      <p:sp>
+        <p:nvSpPr>
+          <p:cNvPr id="64" name=""/>
+          <p:cNvSpPr/>
+          <p:nvPr/>
+        </p:nvSpPr>
+        <p:spPr>
+          <a:xfrm>
+            <a:off x="4343400" y="4271760"/>
+            <a:ext cx="4800600" cy="1214640"/>
+          </a:xfrm>
+          <a:prstGeom prst="rect">
+            <a:avLst/>
+          </a:prstGeom>
+          <a:noFill/>
+          <a:ln w="0">
+            <a:solidFill>
+              <a:srgbClr val="3465a4"/>
+            </a:solidFill>
+          </a:ln>
+        </p:spPr>
+        <p:style>
+          <a:lnRef idx="0"/>
+          <a:fillRef idx="0"/>
+          <a:effectRef idx="0"/>
+          <a:fontRef idx="minor"/>
+        </p:style>
+      </p:sp>
+      <p:sp>
+        <p:nvSpPr>
+          <p:cNvPr id="4" name="PlaceHolder 3"/>
+          <p:cNvSpPr>
+            <a:spLocks noGrp="1"/>
+          </p:cNvSpPr>
+          <p:nvPr>
+            <p:ph type="sldNum" idx="2"/>
+          </p:nvPr>
+        </p:nvSpPr>
+        <p:spPr/>
+        <p:txBody>
+          <a:bodyPr/>
+          <a:p>
+            <a:fld id="{04CFB8AB-0555-438C-A591-6E1B1B920A80}" type="slidenum">
+              <a:t>5</a:t>
+            </a:fld>
+          </a:p>
+        </p:txBody>
+      </p:sp>
+      <p:sp>
+        <p:nvSpPr>
+          <p:cNvPr id="5" name="PlaceHolder 4"/>
+          <p:cNvSpPr>
+            <a:spLocks noGrp="1"/>
+          </p:cNvSpPr>
+          <p:nvPr>
+            <p:ph type="dt" idx="3"/>
+          </p:nvPr>
+        </p:nvSpPr>
+        <p:spPr/>
+        <p:txBody>
+          <a:bodyPr/>
+          <a:p>
+            <a:fld id="{E61B941F-003B-4EA0-B6A8-E006B5684E48}" type="datetime1">
+              <a:rPr lang="en-US"/>
+              <a:t>12/08/2022</a:t>
+            </a:fld>
+          </a:p>
+        </p:txBody>
+      </p:sp>
+    </p:spTree>
+  </p:cSld>
+  <mc:AlternateContent>
+    <mc:Choice Requires="p14">
+      <p:transition spd="slow" p14:dur="2000"/>
+    </mc:Choice>
+    <mc:Fallback>
+      <p:transition spd="slow"/>
+    </mc:Fallback>
+  </mc:AlternateContent>
+</p:sld>
+</file>
+
+<file path=ppt/slides/slide6.xml><?xml version="1.0" encoding="utf-8"?>
+<p:sld xmlns:a="http://schemas.openxmlformats.org/drawingml/2006/main" xmlns:p="http://schemas.openxmlformats.org/presentationml/2006/main" xmlns:r="http://schemas.openxmlformats.org/officeDocument/2006/relationships" xmlns:p14="http://schemas.microsoft.com/office/powerpoint/2010/main" xmlns:p15="http://schemas.microsoft.com/office/powerpoint/2012/main" xmlns:mc="http://schemas.openxmlformats.org/markup-compatibility/2006">
+  <p:cSld>
+    <p:spTree>
+      <p:nvGrpSpPr>
+        <p:cNvPr id="1" name=""/>
+        <p:cNvGrpSpPr/>
+        <p:nvPr/>
+      </p:nvGrpSpPr>
+      <p:grpSpPr>
+        <a:xfrm>
+          <a:off x="0" y="0"/>
+          <a:ext cx="0" cy="0"/>
+          <a:chOff x="0" y="0"/>
+          <a:chExt cx="0" cy="0"/>
+        </a:xfrm>
+      </p:grpSpPr>
+      <p:sp>
+        <p:nvSpPr>
+          <p:cNvPr id="65" name="PlaceHolder 1"/>
+          <p:cNvSpPr>
+            <a:spLocks noGrp="1"/>
+          </p:cNvSpPr>
+          <p:nvPr>
+            <p:ph type="title"/>
+          </p:nvPr>
+        </p:nvSpPr>
+        <p:spPr>
+          <a:xfrm>
+            <a:off x="0" y="0"/>
+            <a:ext cx="9140400" cy="761040"/>
+          </a:xfrm>
+          <a:prstGeom prst="rect">
+            <a:avLst/>
+          </a:prstGeom>
+          <a:gradFill rotWithShape="0">
+            <a:gsLst>
+              <a:gs pos="0">
+                <a:srgbClr val="bf0000"/>
+              </a:gs>
+              <a:gs pos="100000">
+                <a:srgbClr val="710000"/>
+              </a:gs>
+            </a:gsLst>
+            <a:lin ang="8100000"/>
+          </a:gradFill>
+          <a:ln w="0">
+            <a:noFill/>
+          </a:ln>
+        </p:spPr>
+        <p:txBody>
+          <a:bodyPr lIns="0" rIns="0" tIns="0" bIns="0" anchor="ctr">
+            <a:normAutofit/>
+          </a:bodyPr>
+          <a:p>
+            <a:pPr>
+              <a:lnSpc>
+                <a:spcPct val="100000"/>
+              </a:lnSpc>
+              <a:buNone/>
+            </a:pPr>
+            <a:r>
+              <a:rPr b="1" lang="en-US" sz="4000" spc="-1" strike="noStrike">
+                <a:solidFill>
+                  <a:srgbClr val="ffff00"/>
+                </a:solidFill>
+                <a:latin typeface="Calibri"/>
+              </a:rPr>
+              <a:t>01 Instance Creation</a:t>
+            </a:r>
+            <a:endParaRPr b="0" lang="en-US" sz="4000" spc="-1" strike="noStrike">
+              <a:latin typeface="Arial"/>
+            </a:endParaRPr>
+          </a:p>
+        </p:txBody>
+      </p:sp>
+      <p:sp>
+        <p:nvSpPr>
+          <p:cNvPr id="66" name="PlaceHolder 2"/>
+          <p:cNvSpPr>
+            <a:spLocks noGrp="1"/>
+          </p:cNvSpPr>
+          <p:nvPr>
+            <p:ph type="subTitle"/>
+          </p:nvPr>
+        </p:nvSpPr>
+        <p:spPr>
+          <a:xfrm>
+            <a:off x="228600" y="1371600"/>
+            <a:ext cx="8458200" cy="914400"/>
+          </a:xfrm>
+          <a:prstGeom prst="rect">
+            <a:avLst/>
+          </a:prstGeom>
+          <a:solidFill>
+            <a:srgbClr val="ffffff"/>
+          </a:solidFill>
+          <a:ln w="25560">
+            <a:solidFill>
+              <a:srgbClr val="c00000"/>
+            </a:solidFill>
+            <a:round/>
+          </a:ln>
+        </p:spPr>
+        <p:txBody>
+          <a:bodyPr lIns="0" rIns="0" tIns="0" bIns="0" anchor="t">
+            <a:noAutofit/>
+          </a:bodyPr>
+          <a:p>
+            <a:pPr marL="343080" indent="-343080">
+              <a:lnSpc>
+                <a:spcPct val="100000"/>
+              </a:lnSpc>
+              <a:spcBef>
+                <a:spcPts val="360"/>
+              </a:spcBef>
+              <a:buClr>
+                <a:srgbClr val="0070c0"/>
+              </a:buClr>
+              <a:buSzPct val="80000"/>
+              <a:buFont typeface="Wingdings" charset="2"/>
+              <a:buChar char=""/>
+            </a:pPr>
+            <a:r>
+              <a:rPr b="1" lang="en-US" sz="1800" spc="-1" strike="noStrike">
+                <a:solidFill>
+                  <a:srgbClr val="2d2d2d"/>
+                </a:solidFill>
+                <a:latin typeface="Calibri"/>
+              </a:rPr>
+              <a:t>Instance Creation</a:t>
+            </a:r>
+            <a:endParaRPr b="0" lang="en-US" sz="1800" spc="-1" strike="noStrike">
+              <a:latin typeface="Arial"/>
+            </a:endParaRPr>
+          </a:p>
+          <a:p>
+            <a:pPr marL="343080" indent="-343080">
+              <a:lnSpc>
+                <a:spcPct val="100000"/>
+              </a:lnSpc>
+              <a:spcBef>
+                <a:spcPts val="360"/>
+              </a:spcBef>
+              <a:buClr>
+                <a:srgbClr val="0070c0"/>
+              </a:buClr>
+              <a:buSzPct val="80000"/>
+              <a:buFont typeface="Wingdings" charset="2"/>
+              <a:buChar char=""/>
+            </a:pPr>
+            <a:r>
+              <a:rPr b="0" lang="en-US" sz="1800" spc="-1" strike="noStrike">
+                <a:solidFill>
+                  <a:srgbClr val="2d2d2d"/>
+                </a:solidFill>
+                <a:latin typeface="Calibri"/>
+              </a:rPr>
+              <a:t>Lines 74-76: We create the instance with parameters by vkCreateInstance(parameters):</a:t>
+            </a:r>
+            <a:endParaRPr b="0" lang="en-US" sz="1800" spc="-1" strike="noStrike">
+              <a:latin typeface="Arial"/>
+            </a:endParaRPr>
+          </a:p>
+        </p:txBody>
+      </p:sp>
+      <p:sp>
+        <p:nvSpPr>
+          <p:cNvPr id="67" name="標題 4"/>
+          <p:cNvSpPr/>
+          <p:nvPr/>
+        </p:nvSpPr>
+        <p:spPr>
+          <a:xfrm>
+            <a:off x="0" y="764640"/>
+            <a:ext cx="9140400" cy="356400"/>
+          </a:xfrm>
+          <a:prstGeom prst="rect">
+            <a:avLst/>
+          </a:prstGeom>
+          <a:gradFill rotWithShape="0">
+            <a:gsLst>
+              <a:gs pos="0">
+                <a:srgbClr val="00afef"/>
+              </a:gs>
+              <a:gs pos="100000">
+                <a:srgbClr val="00688e"/>
+              </a:gs>
+            </a:gsLst>
+            <a:lin ang="8100000"/>
+          </a:gradFill>
+          <a:ln w="0">
+            <a:noFill/>
+          </a:ln>
+        </p:spPr>
+        <p:style>
+          <a:lnRef idx="0"/>
+          <a:fillRef idx="0"/>
+          <a:effectRef idx="0"/>
+          <a:fontRef idx="minor"/>
+        </p:style>
+        <p:txBody>
+          <a:bodyPr lIns="90000" rIns="90000" tIns="45000" bIns="45000" anchor="ctr">
+            <a:normAutofit fontScale="97000"/>
+          </a:bodyPr>
+          <a:p>
+            <a:pPr>
+              <a:lnSpc>
+                <a:spcPct val="100000"/>
+              </a:lnSpc>
+              <a:buNone/>
+            </a:pPr>
+            <a:r>
+              <a:rPr b="0" lang="en-US" sz="1800" spc="-1" strike="noStrike">
+                <a:solidFill>
+                  <a:srgbClr val="000000"/>
+                </a:solidFill>
+                <a:latin typeface="Calibri"/>
+                <a:ea typeface="DejaVu Sans"/>
+              </a:rPr>
+              <a:t>https://vulkan-tutorial.com/Development_environment#page_Linux</a:t>
+            </a:r>
+            <a:endParaRPr b="0" lang="en-US" sz="1800" spc="-1" strike="noStrike">
+              <a:latin typeface="Arial"/>
+            </a:endParaRPr>
+          </a:p>
+        </p:txBody>
+      </p:sp>
+      <p:pic>
+        <p:nvPicPr>
+          <p:cNvPr id="68" name="" descr=""/>
+          <p:cNvPicPr/>
+          <p:nvPr/>
+        </p:nvPicPr>
+        <p:blipFill>
+          <a:blip r:embed="rId1"/>
+          <a:stretch/>
+        </p:blipFill>
+        <p:spPr>
+          <a:xfrm>
+            <a:off x="1828800" y="2286000"/>
+            <a:ext cx="6184080" cy="4572000"/>
+          </a:xfrm>
+          <a:prstGeom prst="rect">
+            <a:avLst/>
+          </a:prstGeom>
+          <a:ln w="0">
+            <a:noFill/>
+          </a:ln>
+        </p:spPr>
+      </p:pic>
+      <p:sp>
+        <p:nvSpPr>
+          <p:cNvPr id="69" name=""/>
+          <p:cNvSpPr/>
+          <p:nvPr/>
+        </p:nvSpPr>
+        <p:spPr>
+          <a:xfrm>
+            <a:off x="2971800" y="5715000"/>
+            <a:ext cx="4800600" cy="457200"/>
+          </a:xfrm>
+          <a:prstGeom prst="rect">
+            <a:avLst/>
+          </a:prstGeom>
+          <a:noFill/>
+          <a:ln w="0">
+            <a:solidFill>
+              <a:srgbClr val="3465a4"/>
+            </a:solidFill>
+          </a:ln>
+        </p:spPr>
+        <p:style>
+          <a:lnRef idx="0"/>
+          <a:fillRef idx="0"/>
+          <a:effectRef idx="0"/>
+          <a:fontRef idx="minor"/>
+        </p:style>
+      </p:sp>
+      <p:sp>
+        <p:nvSpPr>
+          <p:cNvPr id="4" name="PlaceHolder 3"/>
+          <p:cNvSpPr>
+            <a:spLocks noGrp="1"/>
+          </p:cNvSpPr>
+          <p:nvPr>
+            <p:ph type="sldNum" idx="2"/>
+          </p:nvPr>
+        </p:nvSpPr>
+        <p:spPr/>
+        <p:txBody>
+          <a:bodyPr/>
+          <a:p>
+            <a:fld id="{D0FD2241-4F97-4257-8E0F-CE391FC3BA50}" type="slidenum">
+              <a:t>6</a:t>
+            </a:fld>
+          </a:p>
+        </p:txBody>
+      </p:sp>
+      <p:sp>
+        <p:nvSpPr>
+          <p:cNvPr id="5" name="PlaceHolder 4"/>
+          <p:cNvSpPr>
+            <a:spLocks noGrp="1"/>
+          </p:cNvSpPr>
+          <p:nvPr>
+            <p:ph type="dt" idx="3"/>
+          </p:nvPr>
+        </p:nvSpPr>
+        <p:spPr/>
+        <p:txBody>
+          <a:bodyPr/>
+          <a:p>
+            <a:fld id="{1A35F3B8-5B98-4EB8-9920-A28E0F1410DA}" type="datetime1">
+              <a:rPr lang="en-US"/>
+              <a:t>12/08/2022</a:t>
+            </a:fld>
+          </a:p>
+        </p:txBody>
+      </p:sp>
+    </p:spTree>
+  </p:cSld>
+  <mc:AlternateContent>
+    <mc:Choice Requires="p14">
+      <p:transition spd="slow" p14:dur="2000"/>
+    </mc:Choice>
+    <mc:Fallback>
+      <p:transition spd="slow"/>
+    </mc:Fallback>
+  </mc:AlternateContent>
+</p:sld>
+</file>
+
+<file path=ppt/slides/slide7.xml><?xml version="1.0" encoding="utf-8"?>
+<p:sld xmlns:a="http://schemas.openxmlformats.org/drawingml/2006/main" xmlns:p="http://schemas.openxmlformats.org/presentationml/2006/main" xmlns:r="http://schemas.openxmlformats.org/officeDocument/2006/relationships" xmlns:p14="http://schemas.microsoft.com/office/powerpoint/2010/main" xmlns:p15="http://schemas.microsoft.com/office/powerpoint/2012/main" xmlns:mc="http://schemas.openxmlformats.org/markup-compatibility/2006">
+  <p:cSld>
+    <p:spTree>
+      <p:nvGrpSpPr>
+        <p:cNvPr id="1" name=""/>
+        <p:cNvGrpSpPr/>
+        <p:nvPr/>
+      </p:nvGrpSpPr>
+      <p:grpSpPr>
+        <a:xfrm>
+          <a:off x="0" y="0"/>
+          <a:ext cx="0" cy="0"/>
+          <a:chOff x="0" y="0"/>
+          <a:chExt cx="0" cy="0"/>
+        </a:xfrm>
+      </p:grpSpPr>
+      <p:sp>
+        <p:nvSpPr>
+          <p:cNvPr id="70" name="PlaceHolder 1"/>
+          <p:cNvSpPr>
+            <a:spLocks noGrp="1"/>
+          </p:cNvSpPr>
+          <p:nvPr>
+            <p:ph type="title"/>
+          </p:nvPr>
+        </p:nvSpPr>
+        <p:spPr>
+          <a:xfrm>
+            <a:off x="0" y="0"/>
+            <a:ext cx="9140400" cy="761040"/>
+          </a:xfrm>
+          <a:prstGeom prst="rect">
+            <a:avLst/>
+          </a:prstGeom>
+          <a:gradFill rotWithShape="0">
+            <a:gsLst>
+              <a:gs pos="0">
+                <a:srgbClr val="bf0000"/>
+              </a:gs>
+              <a:gs pos="100000">
+                <a:srgbClr val="710000"/>
+              </a:gs>
+            </a:gsLst>
+            <a:lin ang="8100000"/>
+          </a:gradFill>
+          <a:ln w="0">
+            <a:noFill/>
+          </a:ln>
+        </p:spPr>
+        <p:txBody>
+          <a:bodyPr lIns="0" rIns="0" tIns="0" bIns="0" anchor="ctr">
+            <a:normAutofit/>
+          </a:bodyPr>
+          <a:p>
+            <a:pPr>
+              <a:lnSpc>
+                <a:spcPct val="100000"/>
+              </a:lnSpc>
+              <a:buNone/>
+            </a:pPr>
+            <a:r>
+              <a:rPr b="1" lang="en-US" sz="4000" spc="-1" strike="noStrike">
+                <a:solidFill>
+                  <a:srgbClr val="ffff00"/>
+                </a:solidFill>
+                <a:latin typeface="Calibri"/>
+              </a:rPr>
+              <a:t>01 Instance Creation</a:t>
+            </a:r>
+            <a:endParaRPr b="0" lang="en-US" sz="4000" spc="-1" strike="noStrike">
+              <a:latin typeface="Arial"/>
+            </a:endParaRPr>
+          </a:p>
+        </p:txBody>
+      </p:sp>
+      <p:sp>
+        <p:nvSpPr>
+          <p:cNvPr id="71" name="PlaceHolder 2"/>
+          <p:cNvSpPr>
+            <a:spLocks noGrp="1"/>
+          </p:cNvSpPr>
+          <p:nvPr>
+            <p:ph type="subTitle"/>
+          </p:nvPr>
+        </p:nvSpPr>
+        <p:spPr>
+          <a:xfrm>
+            <a:off x="228600" y="1371600"/>
+            <a:ext cx="8458200" cy="457200"/>
+          </a:xfrm>
+          <a:prstGeom prst="rect">
+            <a:avLst/>
+          </a:prstGeom>
+          <a:solidFill>
+            <a:srgbClr val="ffffff"/>
+          </a:solidFill>
+          <a:ln w="25560">
+            <a:solidFill>
+              <a:srgbClr val="c00000"/>
+            </a:solidFill>
+            <a:round/>
+          </a:ln>
+        </p:spPr>
+        <p:txBody>
+          <a:bodyPr lIns="0" rIns="0" tIns="0" bIns="0" anchor="t">
+            <a:noAutofit/>
+          </a:bodyPr>
+          <a:p>
+            <a:pPr marL="343080" indent="-343080">
+              <a:lnSpc>
+                <a:spcPct val="100000"/>
+              </a:lnSpc>
+              <a:spcBef>
+                <a:spcPts val="360"/>
+              </a:spcBef>
+              <a:buClr>
+                <a:srgbClr val="0070c0"/>
+              </a:buClr>
+              <a:buSzPct val="80000"/>
+              <a:buFont typeface="Wingdings" charset="2"/>
+              <a:buChar char=""/>
+            </a:pPr>
+            <a:r>
+              <a:rPr b="1" lang="en-US" sz="1800" spc="-1" strike="noStrike">
+                <a:solidFill>
+                  <a:srgbClr val="2d2d2d"/>
+                </a:solidFill>
+                <a:latin typeface="Calibri"/>
+              </a:rPr>
+              <a:t>Instance Creation Codes</a:t>
+            </a:r>
+            <a:endParaRPr b="0" lang="en-US" sz="1800" spc="-1" strike="noStrike">
+              <a:latin typeface="Arial"/>
+            </a:endParaRPr>
+          </a:p>
+          <a:p>
+            <a:pPr marL="343080" indent="-343080">
+              <a:lnSpc>
+                <a:spcPct val="100000"/>
+              </a:lnSpc>
+              <a:spcBef>
+                <a:spcPts val="360"/>
+              </a:spcBef>
+              <a:buClr>
+                <a:srgbClr val="0070c0"/>
+              </a:buClr>
+              <a:buSzPct val="80000"/>
+              <a:buFont typeface="Wingdings" charset="2"/>
+              <a:buChar char=""/>
+            </a:pPr>
+            <a:endParaRPr b="0" lang="en-US" sz="1800" spc="-1" strike="noStrike">
+              <a:latin typeface="Arial"/>
+            </a:endParaRPr>
+          </a:p>
+        </p:txBody>
+      </p:sp>
+      <p:sp>
+        <p:nvSpPr>
+          <p:cNvPr id="72" name="標題 5"/>
+          <p:cNvSpPr/>
+          <p:nvPr/>
+        </p:nvSpPr>
+        <p:spPr>
+          <a:xfrm>
+            <a:off x="0" y="764640"/>
+            <a:ext cx="9140400" cy="356400"/>
+          </a:xfrm>
+          <a:prstGeom prst="rect">
+            <a:avLst/>
+          </a:prstGeom>
+          <a:gradFill rotWithShape="0">
+            <a:gsLst>
+              <a:gs pos="0">
+                <a:srgbClr val="00afef"/>
+              </a:gs>
+              <a:gs pos="100000">
+                <a:srgbClr val="00688e"/>
+              </a:gs>
+            </a:gsLst>
+            <a:lin ang="8100000"/>
+          </a:gradFill>
+          <a:ln w="0">
+            <a:noFill/>
+          </a:ln>
+        </p:spPr>
+        <p:style>
+          <a:lnRef idx="0"/>
+          <a:fillRef idx="0"/>
+          <a:effectRef idx="0"/>
+          <a:fontRef idx="minor"/>
+        </p:style>
+        <p:txBody>
+          <a:bodyPr lIns="90000" rIns="90000" tIns="45000" bIns="45000" anchor="ctr">
+            <a:normAutofit fontScale="97000"/>
+          </a:bodyPr>
+          <a:p>
+            <a:pPr>
+              <a:lnSpc>
+                <a:spcPct val="100000"/>
+              </a:lnSpc>
+              <a:buNone/>
+            </a:pPr>
+            <a:r>
+              <a:rPr b="0" lang="en-US" sz="1800" spc="-1" strike="noStrike">
+                <a:solidFill>
+                  <a:srgbClr val="000000"/>
+                </a:solidFill>
+                <a:latin typeface="Calibri"/>
+                <a:ea typeface="DejaVu Sans"/>
+              </a:rPr>
+              <a:t>https://vulkan-tutorial.com/Development_environment#page_Linux</a:t>
+            </a:r>
+            <a:endParaRPr b="0" lang="en-US" sz="1800" spc="-1" strike="noStrike">
+              <a:latin typeface="Arial"/>
+            </a:endParaRPr>
+          </a:p>
+        </p:txBody>
+      </p:sp>
+      <p:pic>
+        <p:nvPicPr>
+          <p:cNvPr id="73" name="" descr=""/>
+          <p:cNvPicPr/>
+          <p:nvPr/>
+        </p:nvPicPr>
+        <p:blipFill>
+          <a:blip r:embed="rId1"/>
+          <a:stretch/>
+        </p:blipFill>
+        <p:spPr>
+          <a:xfrm>
+            <a:off x="228600" y="2057400"/>
+            <a:ext cx="3704400" cy="3429000"/>
+          </a:xfrm>
+          <a:prstGeom prst="rect">
+            <a:avLst/>
+          </a:prstGeom>
+          <a:ln w="0">
+            <a:noFill/>
+          </a:ln>
+        </p:spPr>
+      </p:pic>
+      <p:pic>
+        <p:nvPicPr>
+          <p:cNvPr id="74" name="" descr=""/>
+          <p:cNvPicPr/>
+          <p:nvPr/>
+        </p:nvPicPr>
+        <p:blipFill>
+          <a:blip r:embed="rId2"/>
+          <a:stretch/>
+        </p:blipFill>
+        <p:spPr>
+          <a:xfrm>
+            <a:off x="3886200" y="2057400"/>
+            <a:ext cx="5584320" cy="3877200"/>
+          </a:xfrm>
+          <a:prstGeom prst="rect">
+            <a:avLst/>
+          </a:prstGeom>
+          <a:ln w="0">
+            <a:noFill/>
+          </a:ln>
+        </p:spPr>
+      </p:pic>
+      <p:sp>
+        <p:nvSpPr>
+          <p:cNvPr id="4" name="PlaceHolder 3"/>
+          <p:cNvSpPr>
+            <a:spLocks noGrp="1"/>
+          </p:cNvSpPr>
+          <p:nvPr>
+            <p:ph type="sldNum" idx="2"/>
+          </p:nvPr>
+        </p:nvSpPr>
+        <p:spPr/>
+        <p:txBody>
+          <a:bodyPr/>
+          <a:p>
+            <a:fld id="{D1D1608F-62B8-4A75-980B-5DFC43B10940}" type="slidenum">
+              <a:t>7</a:t>
+            </a:fld>
+          </a:p>
+        </p:txBody>
+      </p:sp>
+      <p:sp>
+        <p:nvSpPr>
+          <p:cNvPr id="5" name="PlaceHolder 4"/>
+          <p:cNvSpPr>
+            <a:spLocks noGrp="1"/>
+          </p:cNvSpPr>
+          <p:nvPr>
+            <p:ph type="dt" idx="3"/>
+          </p:nvPr>
+        </p:nvSpPr>
+        <p:spPr/>
+        <p:txBody>
+          <a:bodyPr/>
+          <a:p>
+            <a:fld id="{696A8FD3-301F-41CF-BF36-88267305EFD7}" type="datetime1">
+              <a:rPr lang="en-US"/>
+              <a:t>12/08/2022</a:t>
+            </a:fld>
+          </a:p>
+        </p:txBody>
+      </p:sp>
+    </p:spTree>
+  </p:cSld>
+  <mc:AlternateContent>
+    <mc:Choice Requires="p14">
+      <p:transition spd="slow" p14:dur="2000"/>
+    </mc:Choice>
+    <mc:Fallback>
+      <p:transition spd="slow"/>
+    </mc:Fallback>
+  </mc:AlternateContent>
+</p:sld>
+</file>
+
+<file path=ppt/slides/slide8.xml><?xml version="1.0" encoding="utf-8"?>
+<p:sld xmlns:a="http://schemas.openxmlformats.org/drawingml/2006/main" xmlns:p="http://schemas.openxmlformats.org/presentationml/2006/main" xmlns:r="http://schemas.openxmlformats.org/officeDocument/2006/relationships" xmlns:p14="http://schemas.microsoft.com/office/powerpoint/2010/main" xmlns:p15="http://schemas.microsoft.com/office/powerpoint/2012/main" xmlns:mc="http://schemas.openxmlformats.org/markup-compatibility/2006">
+  <p:cSld>
+    <p:spTree>
+      <p:nvGrpSpPr>
+        <p:cNvPr id="1" name=""/>
+        <p:cNvGrpSpPr/>
+        <p:nvPr/>
+      </p:nvGrpSpPr>
+      <p:grpSpPr>
+        <a:xfrm>
+          <a:off x="0" y="0"/>
+          <a:ext cx="0" cy="0"/>
+          <a:chOff x="0" y="0"/>
+          <a:chExt cx="0" cy="0"/>
+        </a:xfrm>
+      </p:grpSpPr>
+      <p:sp>
+        <p:nvSpPr>
+          <p:cNvPr id="75" name="PlaceHolder 1"/>
+          <p:cNvSpPr>
+            <a:spLocks noGrp="1"/>
+          </p:cNvSpPr>
+          <p:nvPr>
+            <p:ph type="title"/>
+          </p:nvPr>
+        </p:nvSpPr>
+        <p:spPr>
+          <a:xfrm>
+            <a:off x="0" y="0"/>
+            <a:ext cx="9140400" cy="761040"/>
+          </a:xfrm>
+          <a:prstGeom prst="rect">
+            <a:avLst/>
+          </a:prstGeom>
+          <a:gradFill rotWithShape="0">
+            <a:gsLst>
+              <a:gs pos="0">
+                <a:srgbClr val="bf0000"/>
+              </a:gs>
+              <a:gs pos="100000">
+                <a:srgbClr val="710000"/>
+              </a:gs>
+            </a:gsLst>
+            <a:lin ang="8100000"/>
+          </a:gradFill>
+          <a:ln w="0">
+            <a:noFill/>
+          </a:ln>
+        </p:spPr>
+        <p:txBody>
+          <a:bodyPr lIns="0" rIns="0" tIns="0" bIns="0" anchor="ctr">
+            <a:normAutofit/>
+          </a:bodyPr>
+          <a:p>
+            <a:pPr>
+              <a:lnSpc>
+                <a:spcPct val="100000"/>
+              </a:lnSpc>
+              <a:buNone/>
+            </a:pPr>
+            <a:r>
+              <a:rPr b="1" lang="en-US" sz="4000" spc="-1" strike="noStrike">
+                <a:solidFill>
+                  <a:srgbClr val="ffff00"/>
+                </a:solidFill>
+                <a:latin typeface="Calibri"/>
+              </a:rPr>
+              <a:t>01 Instance Creation</a:t>
+            </a:r>
+            <a:endParaRPr b="0" lang="en-US" sz="4000" spc="-1" strike="noStrike">
+              <a:latin typeface="Arial"/>
+            </a:endParaRPr>
+          </a:p>
+        </p:txBody>
+      </p:sp>
+      <p:sp>
+        <p:nvSpPr>
+          <p:cNvPr id="76" name="PlaceHolder 2"/>
+          <p:cNvSpPr>
+            <a:spLocks noGrp="1"/>
+          </p:cNvSpPr>
+          <p:nvPr>
+            <p:ph type="subTitle"/>
+          </p:nvPr>
+        </p:nvSpPr>
+        <p:spPr>
+          <a:xfrm>
+            <a:off x="228600" y="1371600"/>
+            <a:ext cx="8458200" cy="457200"/>
+          </a:xfrm>
+          <a:prstGeom prst="rect">
+            <a:avLst/>
+          </a:prstGeom>
+          <a:solidFill>
+            <a:srgbClr val="ffffff"/>
+          </a:solidFill>
+          <a:ln w="25560">
+            <a:solidFill>
+              <a:srgbClr val="c00000"/>
+            </a:solidFill>
+            <a:round/>
+          </a:ln>
+        </p:spPr>
+        <p:txBody>
+          <a:bodyPr lIns="0" rIns="0" tIns="0" bIns="0" anchor="t">
+            <a:noAutofit/>
+          </a:bodyPr>
+          <a:p>
+            <a:pPr marL="343080" indent="-343080">
+              <a:lnSpc>
+                <a:spcPct val="100000"/>
+              </a:lnSpc>
+              <a:spcBef>
+                <a:spcPts val="360"/>
+              </a:spcBef>
+              <a:buClr>
+                <a:srgbClr val="0070c0"/>
+              </a:buClr>
+              <a:buSzPct val="80000"/>
+              <a:buFont typeface="Wingdings" charset="2"/>
+              <a:buChar char=""/>
+            </a:pPr>
+            <a:r>
+              <a:rPr b="1" lang="en-US" sz="1800" spc="-1" strike="noStrike">
+                <a:solidFill>
+                  <a:srgbClr val="2d2d2d"/>
+                </a:solidFill>
+                <a:latin typeface="Calibri"/>
+              </a:rPr>
+              <a:t>Instance Creation Codes</a:t>
+            </a:r>
+            <a:endParaRPr b="0" lang="en-US" sz="1800" spc="-1" strike="noStrike">
+              <a:latin typeface="Arial"/>
+            </a:endParaRPr>
+          </a:p>
+          <a:p>
+            <a:pPr marL="343080" indent="-343080">
+              <a:lnSpc>
+                <a:spcPct val="100000"/>
+              </a:lnSpc>
+              <a:spcBef>
+                <a:spcPts val="360"/>
+              </a:spcBef>
+              <a:buClr>
+                <a:srgbClr val="0070c0"/>
+              </a:buClr>
+              <a:buSzPct val="80000"/>
+              <a:buFont typeface="Wingdings" charset="2"/>
+              <a:buChar char=""/>
+            </a:pPr>
+            <a:endParaRPr b="0" lang="en-US" sz="1800" spc="-1" strike="noStrike">
+              <a:latin typeface="Arial"/>
+            </a:endParaRPr>
+          </a:p>
+        </p:txBody>
+      </p:sp>
+      <p:sp>
+        <p:nvSpPr>
+          <p:cNvPr id="77" name="標題 6"/>
+          <p:cNvSpPr/>
+          <p:nvPr/>
+        </p:nvSpPr>
+        <p:spPr>
+          <a:xfrm>
+            <a:off x="0" y="764640"/>
+            <a:ext cx="9140400" cy="356400"/>
+          </a:xfrm>
+          <a:prstGeom prst="rect">
+            <a:avLst/>
+          </a:prstGeom>
+          <a:gradFill rotWithShape="0">
+            <a:gsLst>
+              <a:gs pos="0">
+                <a:srgbClr val="00afef"/>
+              </a:gs>
+              <a:gs pos="100000">
+                <a:srgbClr val="00688e"/>
+              </a:gs>
+            </a:gsLst>
+            <a:lin ang="8100000"/>
+          </a:gradFill>
+          <a:ln w="0">
+            <a:noFill/>
+          </a:ln>
+        </p:spPr>
+        <p:style>
+          <a:lnRef idx="0"/>
+          <a:fillRef idx="0"/>
+          <a:effectRef idx="0"/>
+          <a:fontRef idx="minor"/>
+        </p:style>
+        <p:txBody>
+          <a:bodyPr lIns="90000" rIns="90000" tIns="45000" bIns="45000" anchor="ctr">
+            <a:normAutofit fontScale="97000"/>
+          </a:bodyPr>
+          <a:p>
+            <a:pPr>
+              <a:lnSpc>
+                <a:spcPct val="100000"/>
+              </a:lnSpc>
+              <a:buNone/>
+            </a:pPr>
+            <a:r>
+              <a:rPr b="0" lang="en-US" sz="1800" spc="-1" strike="noStrike">
+                <a:solidFill>
+                  <a:srgbClr val="000000"/>
+                </a:solidFill>
+                <a:latin typeface="Calibri"/>
+                <a:ea typeface="DejaVu Sans"/>
+              </a:rPr>
+              <a:t>https://vulkan-tutorial.com/Development_environment#page_Linux</a:t>
+            </a:r>
+            <a:endParaRPr b="0" lang="en-US" sz="1800" spc="-1" strike="noStrike">
+              <a:latin typeface="Arial"/>
+            </a:endParaRPr>
+          </a:p>
+        </p:txBody>
+      </p:sp>
+      <p:pic>
+        <p:nvPicPr>
+          <p:cNvPr id="78" name="" descr=""/>
+          <p:cNvPicPr/>
+          <p:nvPr/>
+        </p:nvPicPr>
+        <p:blipFill>
+          <a:blip r:embed="rId1"/>
+          <a:stretch/>
+        </p:blipFill>
+        <p:spPr>
+          <a:xfrm>
+            <a:off x="228600" y="2082240"/>
+            <a:ext cx="4611960" cy="2946960"/>
+          </a:xfrm>
+          <a:prstGeom prst="rect">
+            <a:avLst/>
+          </a:prstGeom>
+          <a:ln w="0">
+            <a:noFill/>
+          </a:ln>
+        </p:spPr>
+      </p:pic>
+      <p:pic>
+        <p:nvPicPr>
+          <p:cNvPr id="79" name="" descr=""/>
+          <p:cNvPicPr/>
+          <p:nvPr/>
+        </p:nvPicPr>
+        <p:blipFill>
+          <a:blip r:embed="rId2"/>
+          <a:stretch/>
+        </p:blipFill>
+        <p:spPr>
+          <a:xfrm>
+            <a:off x="4840560" y="2152440"/>
+            <a:ext cx="4343400" cy="2648160"/>
+          </a:xfrm>
+          <a:prstGeom prst="rect">
+            <a:avLst/>
+          </a:prstGeom>
+          <a:ln w="0">
+            <a:noFill/>
+          </a:ln>
+        </p:spPr>
+      </p:pic>
+      <p:sp>
+        <p:nvSpPr>
+          <p:cNvPr id="4" name="PlaceHolder 3"/>
+          <p:cNvSpPr>
+            <a:spLocks noGrp="1"/>
+          </p:cNvSpPr>
+          <p:nvPr>
+            <p:ph type="sldNum" idx="2"/>
+          </p:nvPr>
+        </p:nvSpPr>
+        <p:spPr/>
+        <p:txBody>
+          <a:bodyPr/>
+          <a:p>
+            <a:fld id="{EFB6EDFC-AFA1-4ED4-8FAC-97E7D85755CE}" type="slidenum">
+              <a:t>8</a:t>
+            </a:fld>
+          </a:p>
+        </p:txBody>
+      </p:sp>
+      <p:sp>
+        <p:nvSpPr>
+          <p:cNvPr id="5" name="PlaceHolder 4"/>
+          <p:cNvSpPr>
+            <a:spLocks noGrp="1"/>
+          </p:cNvSpPr>
+          <p:nvPr>
+            <p:ph type="dt" idx="3"/>
+          </p:nvPr>
+        </p:nvSpPr>
+        <p:spPr/>
+        <p:txBody>
+          <a:bodyPr/>
+          <a:p>
+            <a:fld id="{FBA8233A-F9B5-4B3C-90FB-425E1954CDDD}" type="datetime1">
+              <a:rPr lang="en-US"/>
+              <a:t>12/08/2022</a:t>
+            </a:fld>
+          </a:p>
+        </p:txBody>
+      </p:sp>
+    </p:spTree>
+  </p:cSld>
+  <mc:AlternateContent>
+    <mc:Choice Requires="p14">
+      <p:transition spd="slow" p14:dur="2000"/>
+    </mc:Choice>
+    <mc:Fallback>
+      <p:transition spd="slow"/>
+    </mc:Fallback>
+  </mc:AlternateContent>
+</p:sld>
+</file>
+
+<file path=ppt/slides/slide9.xml><?xml version="1.0" encoding="utf-8"?>
+<p:sld xmlns:a="http://schemas.openxmlformats.org/drawingml/2006/main" xmlns:p="http://schemas.openxmlformats.org/presentationml/2006/main" xmlns:r="http://schemas.openxmlformats.org/officeDocument/2006/relationships" xmlns:p14="http://schemas.microsoft.com/office/powerpoint/2010/main" xmlns:p15="http://schemas.microsoft.com/office/powerpoint/2012/main" xmlns:mc="http://schemas.openxmlformats.org/markup-compatibility/2006">
+  <p:cSld>
+    <p:spTree>
+      <p:nvGrpSpPr>
+        <p:cNvPr id="1" name=""/>
+        <p:cNvGrpSpPr/>
+        <p:nvPr/>
+      </p:nvGrpSpPr>
+      <p:grpSpPr>
+        <a:xfrm>
+          <a:off x="0" y="0"/>
+          <a:ext cx="0" cy="0"/>
+          <a:chOff x="0" y="0"/>
+          <a:chExt cx="0" cy="0"/>
+        </a:xfrm>
+      </p:grpSpPr>
+      <p:sp>
+        <p:nvSpPr>
+          <p:cNvPr id="80" name="PlaceHolder 1"/>
+          <p:cNvSpPr>
+            <a:spLocks noGrp="1"/>
+          </p:cNvSpPr>
+          <p:nvPr>
+            <p:ph type="title"/>
+          </p:nvPr>
+        </p:nvSpPr>
+        <p:spPr>
+          <a:xfrm>
+            <a:off x="0" y="2130480"/>
+            <a:ext cx="9140400" cy="1466280"/>
+          </a:xfrm>
+          <a:prstGeom prst="rect">
+            <a:avLst/>
+          </a:prstGeom>
+          <a:gradFill rotWithShape="0">
+            <a:gsLst>
+              <a:gs pos="0">
+                <a:srgbClr val="00afef"/>
+              </a:gs>
+              <a:gs pos="100000">
+                <a:srgbClr val="00688e"/>
+              </a:gs>
+            </a:gsLst>
+            <a:lin ang="8100000"/>
+          </a:gradFill>
+          <a:ln w="0">
+            <a:noFill/>
+          </a:ln>
+        </p:spPr>
         <p:txBody>
           <a:bodyPr lIns="0" rIns="0" tIns="0" bIns="0" anchor="ctr">
             <a:normAutofit/>
@@ -3777,8 +5780,8 @@
         <p:txBody>
           <a:bodyPr/>
           <a:p>
-            <a:fld id="{18BFF04B-3BE0-4EB5-93C6-9361FD0BA6D2}" type="slidenum">
-              <a:t>5</a:t>
+            <a:fld id="{1B03A1BF-0330-4FE8-B43C-37EBC4FF22D7}" type="slidenum">
+              <a:t>9</a:t>
             </a:fld>
           </a:p>
         </p:txBody>
@@ -3797,9 +5800,9 @@
         <p:txBody>
           <a:bodyPr/>
           <a:p>
-            <a:fld id="{18FD7F4A-B5E3-40C7-91EB-12809D0C36BA}" type="datetime1">
+            <a:fld id="{9AA2E799-CF13-4725-AFAC-E33B6BC4429E}" type="datetime1">
               <a:rPr lang="en-US"/>
-              <a:t>12/07/2022</a:t>
+              <a:t>12/08/2022</a:t>
             </a:fld>
           </a:p>
         </p:txBody>
